--- a/sprint-presentations/Sprint1.pptx
+++ b/sprint-presentations/Sprint1.pptx
@@ -10,6 +10,7 @@
     <p:sldId id="258" r:id="rId4"/>
     <p:sldId id="260" r:id="rId5"/>
     <p:sldId id="259" r:id="rId6"/>
+    <p:sldId id="261" r:id="rId7"/>
   </p:sldIdLst>
   <p:sldSz cx="12192000" cy="6858000"/>
   <p:notesSz cx="6858000" cy="9144000"/>
@@ -108,6 +109,11 @@
       </a:defRPr>
     </a:lvl9pPr>
   </p:defaultTextStyle>
+  <p:extLst>
+    <p:ext uri="{EFAFB233-063F-42B5-8137-9DF3F51BA10A}">
+      <p15:sldGuideLst xmlns:p15="http://schemas.microsoft.com/office/powerpoint/2012/main"/>
+    </p:ext>
+  </p:extLst>
 </p:presentation>
 </file>
 
@@ -613,7 +619,7 @@
           <a:p>
             <a:fld id="{762CCF1C-05AE-4863-A3C3-CF0200428275}" type="datetimeFigureOut">
               <a:rPr lang="en-US" smtClean="0"/>
-              <a:t>11/7/2016</a:t>
+              <a:t>11/8/2016</a:t>
             </a:fld>
             <a:endParaRPr lang="en-US"/>
           </a:p>
@@ -909,7 +915,7 @@
           <a:p>
             <a:fld id="{762CCF1C-05AE-4863-A3C3-CF0200428275}" type="datetimeFigureOut">
               <a:rPr lang="en-US" smtClean="0"/>
-              <a:t>11/7/2016</a:t>
+              <a:t>11/8/2016</a:t>
             </a:fld>
             <a:endParaRPr lang="en-US"/>
           </a:p>
@@ -1157,7 +1163,7 @@
           <a:p>
             <a:fld id="{762CCF1C-05AE-4863-A3C3-CF0200428275}" type="datetimeFigureOut">
               <a:rPr lang="en-US" smtClean="0"/>
-              <a:t>11/7/2016</a:t>
+              <a:t>11/8/2016</a:t>
             </a:fld>
             <a:endParaRPr lang="en-US"/>
           </a:p>
@@ -1697,7 +1703,7 @@
           <a:p>
             <a:fld id="{762CCF1C-05AE-4863-A3C3-CF0200428275}" type="datetimeFigureOut">
               <a:rPr lang="en-US" smtClean="0"/>
-              <a:t>11/7/2016</a:t>
+              <a:t>11/8/2016</a:t>
             </a:fld>
             <a:endParaRPr lang="en-US"/>
           </a:p>
@@ -1945,7 +1951,7 @@
           <a:p>
             <a:fld id="{762CCF1C-05AE-4863-A3C3-CF0200428275}" type="datetimeFigureOut">
               <a:rPr lang="en-US" smtClean="0"/>
-              <a:t>11/7/2016</a:t>
+              <a:t>11/8/2016</a:t>
             </a:fld>
             <a:endParaRPr lang="en-US"/>
           </a:p>
@@ -2477,7 +2483,7 @@
           <a:p>
             <a:fld id="{762CCF1C-05AE-4863-A3C3-CF0200428275}" type="datetimeFigureOut">
               <a:rPr lang="en-US" smtClean="0"/>
-              <a:t>11/7/2016</a:t>
+              <a:t>11/8/2016</a:t>
             </a:fld>
             <a:endParaRPr lang="en-US"/>
           </a:p>
@@ -2774,7 +2780,7 @@
           <a:p>
             <a:fld id="{762CCF1C-05AE-4863-A3C3-CF0200428275}" type="datetimeFigureOut">
               <a:rPr lang="en-US" smtClean="0"/>
-              <a:t>11/7/2016</a:t>
+              <a:t>11/8/2016</a:t>
             </a:fld>
             <a:endParaRPr lang="en-US"/>
           </a:p>
@@ -2948,7 +2954,7 @@
           <a:p>
             <a:fld id="{762CCF1C-05AE-4863-A3C3-CF0200428275}" type="datetimeFigureOut">
               <a:rPr lang="en-US" smtClean="0"/>
-              <a:t>11/7/2016</a:t>
+              <a:t>11/8/2016</a:t>
             </a:fld>
             <a:endParaRPr lang="en-US"/>
           </a:p>
@@ -3128,7 +3134,7 @@
           <a:p>
             <a:fld id="{762CCF1C-05AE-4863-A3C3-CF0200428275}" type="datetimeFigureOut">
               <a:rPr lang="en-US" smtClean="0"/>
-              <a:t>11/7/2016</a:t>
+              <a:t>11/8/2016</a:t>
             </a:fld>
             <a:endParaRPr lang="en-US"/>
           </a:p>
@@ -3298,7 +3304,7 @@
           <a:p>
             <a:fld id="{762CCF1C-05AE-4863-A3C3-CF0200428275}" type="datetimeFigureOut">
               <a:rPr lang="en-US" smtClean="0"/>
-              <a:t>11/7/2016</a:t>
+              <a:t>11/8/2016</a:t>
             </a:fld>
             <a:endParaRPr lang="en-US"/>
           </a:p>
@@ -3549,7 +3555,7 @@
           <a:p>
             <a:fld id="{762CCF1C-05AE-4863-A3C3-CF0200428275}" type="datetimeFigureOut">
               <a:rPr lang="en-US" smtClean="0"/>
-              <a:t>11/7/2016</a:t>
+              <a:t>11/8/2016</a:t>
             </a:fld>
             <a:endParaRPr lang="en-US"/>
           </a:p>
@@ -3846,7 +3852,7 @@
           <a:p>
             <a:fld id="{762CCF1C-05AE-4863-A3C3-CF0200428275}" type="datetimeFigureOut">
               <a:rPr lang="en-US" smtClean="0"/>
-              <a:t>11/7/2016</a:t>
+              <a:t>11/8/2016</a:t>
             </a:fld>
             <a:endParaRPr lang="en-US"/>
           </a:p>
@@ -4288,7 +4294,7 @@
           <a:p>
             <a:fld id="{762CCF1C-05AE-4863-A3C3-CF0200428275}" type="datetimeFigureOut">
               <a:rPr lang="en-US" smtClean="0"/>
-              <a:t>11/7/2016</a:t>
+              <a:t>11/8/2016</a:t>
             </a:fld>
             <a:endParaRPr lang="en-US"/>
           </a:p>
@@ -4406,7 +4412,7 @@
           <a:p>
             <a:fld id="{762CCF1C-05AE-4863-A3C3-CF0200428275}" type="datetimeFigureOut">
               <a:rPr lang="en-US" smtClean="0"/>
-              <a:t>11/7/2016</a:t>
+              <a:t>11/8/2016</a:t>
             </a:fld>
             <a:endParaRPr lang="en-US"/>
           </a:p>
@@ -4501,7 +4507,7 @@
           <a:p>
             <a:fld id="{762CCF1C-05AE-4863-A3C3-CF0200428275}" type="datetimeFigureOut">
               <a:rPr lang="en-US" smtClean="0"/>
-              <a:t>11/7/2016</a:t>
+              <a:t>11/8/2016</a:t>
             </a:fld>
             <a:endParaRPr lang="en-US"/>
           </a:p>
@@ -4784,7 +4790,7 @@
           <a:p>
             <a:fld id="{762CCF1C-05AE-4863-A3C3-CF0200428275}" type="datetimeFigureOut">
               <a:rPr lang="en-US" smtClean="0"/>
-              <a:t>11/7/2016</a:t>
+              <a:t>11/8/2016</a:t>
             </a:fld>
             <a:endParaRPr lang="en-US"/>
           </a:p>
@@ -5075,7 +5081,7 @@
           <a:p>
             <a:fld id="{762CCF1C-05AE-4863-A3C3-CF0200428275}" type="datetimeFigureOut">
               <a:rPr lang="en-US" smtClean="0"/>
-              <a:t>11/7/2016</a:t>
+              <a:t>11/8/2016</a:t>
             </a:fld>
             <a:endParaRPr lang="en-US"/>
           </a:p>
@@ -5605,7 +5611,7 @@
           <a:p>
             <a:fld id="{762CCF1C-05AE-4863-A3C3-CF0200428275}" type="datetimeFigureOut">
               <a:rPr lang="en-US" smtClean="0"/>
-              <a:t>11/7/2016</a:t>
+              <a:t>11/8/2016</a:t>
             </a:fld>
             <a:endParaRPr lang="en-US"/>
           </a:p>
@@ -6138,12 +6144,12 @@
       </p:grpSpPr>
       <p:sp>
         <p:nvSpPr>
-          <p:cNvPr id="2" name="Title 1"/>
-          <p:cNvSpPr>
-            <a:spLocks noGrp="1"/>
-          </p:cNvSpPr>
-          <p:nvPr>
-            <p:ph type="ctrTitle"/>
+          <p:cNvPr id="3" name="Subtitle 2"/>
+          <p:cNvSpPr>
+            <a:spLocks noGrp="1"/>
+          </p:cNvSpPr>
+          <p:nvPr>
+            <p:ph type="subTitle" idx="1"/>
           </p:nvPr>
         </p:nvSpPr>
         <p:spPr/>
@@ -6153,28 +6159,6 @@
           <a:p>
             <a:r>
               <a:rPr lang="en-US" dirty="0"/>
-              <a:t>Chillfood.com</a:t>
-            </a:r>
-          </a:p>
-        </p:txBody>
-      </p:sp>
-      <p:sp>
-        <p:nvSpPr>
-          <p:cNvPr id="3" name="Subtitle 2"/>
-          <p:cNvSpPr>
-            <a:spLocks noGrp="1"/>
-          </p:cNvSpPr>
-          <p:nvPr>
-            <p:ph type="subTitle" idx="1"/>
-          </p:nvPr>
-        </p:nvSpPr>
-        <p:spPr/>
-        <p:txBody>
-          <a:bodyPr/>
-          <a:lstStyle/>
-          <a:p>
-            <a:r>
-              <a:rPr lang="en-US" dirty="0"/>
               <a:t>Abishek </a:t>
             </a:r>
             <a:r>
@@ -6202,6 +6186,36 @@
           </a:p>
         </p:txBody>
       </p:sp>
+      <p:pic>
+        <p:nvPicPr>
+          <p:cNvPr id="4" name="Picture 3"/>
+          <p:cNvPicPr>
+            <a:picLocks noChangeAspect="1"/>
+          </p:cNvPicPr>
+          <p:nvPr/>
+        </p:nvPicPr>
+        <p:blipFill>
+          <a:blip r:embed="rId2">
+            <a:extLst>
+              <a:ext uri="{28A0092B-C50C-407E-A947-70E740481C1C}">
+                <a14:useLocalDpi xmlns:a14="http://schemas.microsoft.com/office/drawing/2010/main" val="0"/>
+              </a:ext>
+            </a:extLst>
+          </a:blip>
+          <a:stretch>
+            <a:fillRect/>
+          </a:stretch>
+        </p:blipFill>
+        <p:spPr>
+          <a:xfrm>
+            <a:off x="5557030" y="2214594"/>
+            <a:ext cx="6634970" cy="2752284"/>
+          </a:xfrm>
+          <a:prstGeom prst="rect">
+            <a:avLst/>
+          </a:prstGeom>
+        </p:spPr>
+      </p:pic>
     </p:spTree>
     <p:extLst>
       <p:ext uri="{BB962C8B-B14F-4D97-AF65-F5344CB8AC3E}">
@@ -6280,18 +6294,36 @@
                 </a:solidFill>
                 <a:latin typeface="Calibri" panose="020F0502020204030204" pitchFamily="34" charset="0"/>
               </a:rPr>
-              <a:t>generally are low on time/effort /ingredients/knowhow/all of the above with regards to their diet </a:t>
-            </a:r>
-          </a:p>
-          <a:p>
-            <a:r>
-              <a:rPr lang="en-US" dirty="0">
-                <a:solidFill>
-                  <a:srgbClr val="000000"/>
+              <a:t>generally low on time/</a:t>
+            </a:r>
+            <a:r>
+              <a:rPr lang="en-US" b="1" dirty="0">
+                <a:solidFill>
+                  <a:srgbClr val="30ACEC"/>
                 </a:solidFill>
                 <a:latin typeface="Calibri" panose="020F0502020204030204" pitchFamily="34" charset="0"/>
               </a:rPr>
-              <a:t>ChillFood.com is recipe website targeting these students</a:t>
+              <a:t>effort</a:t>
+            </a:r>
+            <a:r>
+              <a:rPr lang="en-US" dirty="0">
+                <a:solidFill>
+                  <a:srgbClr val="000000"/>
+                </a:solidFill>
+                <a:latin typeface="Calibri" panose="020F0502020204030204" pitchFamily="34" charset="0"/>
+              </a:rPr>
+              <a:t>/ingredients/know-how/all of the above with regards to their diet </a:t>
+            </a:r>
+          </a:p>
+          <a:p>
+            <a:r>
+              <a:rPr lang="en-US" dirty="0">
+                <a:solidFill>
+                  <a:srgbClr val="000000"/>
+                </a:solidFill>
+                <a:latin typeface="Calibri" panose="020F0502020204030204" pitchFamily="34" charset="0"/>
+              </a:rPr>
+              <a:t>ChillFood.com is a recipe website targeting these students</a:t>
             </a:r>
           </a:p>
           <a:p>
@@ -6635,7 +6667,7 @@
             <a:pPr lvl="1"/>
             <a:r>
               <a:rPr lang="en-US" dirty="0"/>
-              <a:t>Uploading, viewing, searching recipes</a:t>
+              <a:t>Posting, viewing, searching recipes</a:t>
             </a:r>
           </a:p>
           <a:p>
@@ -6892,6 +6924,89 @@
     <p:extLst>
       <p:ext uri="{BB962C8B-B14F-4D97-AF65-F5344CB8AC3E}">
         <p14:creationId xmlns:p14="http://schemas.microsoft.com/office/powerpoint/2010/main" val="2907317585"/>
+      </p:ext>
+    </p:extLst>
+  </p:cSld>
+  <p:clrMapOvr>
+    <a:masterClrMapping/>
+  </p:clrMapOvr>
+  <mc:AlternateContent xmlns:mc="http://schemas.openxmlformats.org/markup-compatibility/2006">
+    <mc:Choice xmlns:p159="http://schemas.microsoft.com/office/powerpoint/2015/09/main" Requires="p159">
+      <p:transition xmlns:p14="http://schemas.microsoft.com/office/powerpoint/2010/main" spd="slow" p14:dur="2000">
+        <p159:morph option="byObject"/>
+      </p:transition>
+    </mc:Choice>
+    <mc:Fallback>
+      <p:transition spd="slow">
+        <p:fade/>
+      </p:transition>
+    </mc:Fallback>
+  </mc:AlternateContent>
+</p:sld>
+</file>
+
+<file path=ppt/slides/slide6.xml><?xml version="1.0" encoding="utf-8"?>
+<p:sld xmlns:a="http://schemas.openxmlformats.org/drawingml/2006/main" xmlns:r="http://schemas.openxmlformats.org/officeDocument/2006/relationships" xmlns:p="http://schemas.openxmlformats.org/presentationml/2006/main">
+  <p:cSld>
+    <p:spTree>
+      <p:nvGrpSpPr>
+        <p:cNvPr id="1" name=""/>
+        <p:cNvGrpSpPr/>
+        <p:nvPr/>
+      </p:nvGrpSpPr>
+      <p:grpSpPr>
+        <a:xfrm>
+          <a:off x="0" y="0"/>
+          <a:ext cx="0" cy="0"/>
+          <a:chOff x="0" y="0"/>
+          <a:chExt cx="0" cy="0"/>
+        </a:xfrm>
+      </p:grpSpPr>
+      <p:sp>
+        <p:nvSpPr>
+          <p:cNvPr id="2" name="Title 1"/>
+          <p:cNvSpPr>
+            <a:spLocks noGrp="1"/>
+          </p:cNvSpPr>
+          <p:nvPr>
+            <p:ph type="ctrTitle"/>
+          </p:nvPr>
+        </p:nvSpPr>
+        <p:spPr/>
+        <p:txBody>
+          <a:bodyPr/>
+          <a:lstStyle/>
+          <a:p>
+            <a:r>
+              <a:rPr lang="en-US" dirty="0"/>
+              <a:t>DEMO</a:t>
+            </a:r>
+          </a:p>
+        </p:txBody>
+      </p:sp>
+      <p:sp>
+        <p:nvSpPr>
+          <p:cNvPr id="5" name="Subtitle 4"/>
+          <p:cNvSpPr>
+            <a:spLocks noGrp="1"/>
+          </p:cNvSpPr>
+          <p:nvPr>
+            <p:ph type="subTitle" idx="1"/>
+          </p:nvPr>
+        </p:nvSpPr>
+        <p:spPr/>
+        <p:txBody>
+          <a:bodyPr/>
+          <a:lstStyle/>
+          <a:p>
+            <a:endParaRPr lang="en-US"/>
+          </a:p>
+        </p:txBody>
+      </p:sp>
+    </p:spTree>
+    <p:extLst>
+      <p:ext uri="{BB962C8B-B14F-4D97-AF65-F5344CB8AC3E}">
+        <p14:creationId xmlns:p14="http://schemas.microsoft.com/office/powerpoint/2010/main" val="3194655646"/>
       </p:ext>
     </p:extLst>
   </p:cSld>

--- a/sprint-presentations/Sprint1.pptx
+++ b/sprint-presentations/Sprint1.pptx
@@ -10,7 +10,8 @@
     <p:sldId id="258" r:id="rId4"/>
     <p:sldId id="260" r:id="rId5"/>
     <p:sldId id="259" r:id="rId6"/>
-    <p:sldId id="261" r:id="rId7"/>
+    <p:sldId id="262" r:id="rId7"/>
+    <p:sldId id="261" r:id="rId8"/>
   </p:sldIdLst>
   <p:sldSz cx="12192000" cy="6858000"/>
   <p:notesSz cx="6858000" cy="9144000"/>
@@ -115,6 +116,2977 @@
     </p:ext>
   </p:extLst>
 </p:presentation>
+</file>
+
+<file path=ppt/diagrams/colors1.xml><?xml version="1.0" encoding="utf-8"?>
+<dgm:colorsDef xmlns:dgm="http://schemas.openxmlformats.org/drawingml/2006/diagram" xmlns:a="http://schemas.openxmlformats.org/drawingml/2006/main" uniqueId="urn:microsoft.com/office/officeart/2005/8/colors/accent1_2">
+  <dgm:title val=""/>
+  <dgm:desc val=""/>
+  <dgm:catLst>
+    <dgm:cat type="accent1" pri="11200"/>
+  </dgm:catLst>
+  <dgm:styleLbl name="node0">
+    <dgm:fillClrLst meth="repeat">
+      <a:schemeClr val="accent1"/>
+    </dgm:fillClrLst>
+    <dgm:linClrLst meth="repeat">
+      <a:schemeClr val="lt1"/>
+    </dgm:linClrLst>
+    <dgm:effectClrLst/>
+    <dgm:txLinClrLst/>
+    <dgm:txFillClrLst/>
+    <dgm:txEffectClrLst/>
+  </dgm:styleLbl>
+  <dgm:styleLbl name="alignNode1">
+    <dgm:fillClrLst meth="repeat">
+      <a:schemeClr val="accent1"/>
+    </dgm:fillClrLst>
+    <dgm:linClrLst meth="repeat">
+      <a:schemeClr val="accent1"/>
+    </dgm:linClrLst>
+    <dgm:effectClrLst/>
+    <dgm:txLinClrLst/>
+    <dgm:txFillClrLst/>
+    <dgm:txEffectClrLst/>
+  </dgm:styleLbl>
+  <dgm:styleLbl name="node1">
+    <dgm:fillClrLst meth="repeat">
+      <a:schemeClr val="accent1"/>
+    </dgm:fillClrLst>
+    <dgm:linClrLst meth="repeat">
+      <a:schemeClr val="lt1"/>
+    </dgm:linClrLst>
+    <dgm:effectClrLst/>
+    <dgm:txLinClrLst/>
+    <dgm:txFillClrLst/>
+    <dgm:txEffectClrLst/>
+  </dgm:styleLbl>
+  <dgm:styleLbl name="lnNode1">
+    <dgm:fillClrLst meth="repeat">
+      <a:schemeClr val="accent1"/>
+    </dgm:fillClrLst>
+    <dgm:linClrLst meth="repeat">
+      <a:schemeClr val="lt1"/>
+    </dgm:linClrLst>
+    <dgm:effectClrLst/>
+    <dgm:txLinClrLst/>
+    <dgm:txFillClrLst/>
+    <dgm:txEffectClrLst/>
+  </dgm:styleLbl>
+  <dgm:styleLbl name="vennNode1">
+    <dgm:fillClrLst meth="repeat">
+      <a:schemeClr val="accent1">
+        <a:alpha val="50000"/>
+      </a:schemeClr>
+    </dgm:fillClrLst>
+    <dgm:linClrLst meth="repeat">
+      <a:schemeClr val="lt1"/>
+    </dgm:linClrLst>
+    <dgm:effectClrLst/>
+    <dgm:txLinClrLst/>
+    <dgm:txFillClrLst/>
+    <dgm:txEffectClrLst/>
+  </dgm:styleLbl>
+  <dgm:styleLbl name="node2">
+    <dgm:fillClrLst meth="repeat">
+      <a:schemeClr val="accent1"/>
+    </dgm:fillClrLst>
+    <dgm:linClrLst meth="repeat">
+      <a:schemeClr val="lt1"/>
+    </dgm:linClrLst>
+    <dgm:effectClrLst/>
+    <dgm:txLinClrLst/>
+    <dgm:txFillClrLst/>
+    <dgm:txEffectClrLst/>
+  </dgm:styleLbl>
+  <dgm:styleLbl name="node3">
+    <dgm:fillClrLst meth="repeat">
+      <a:schemeClr val="accent1"/>
+    </dgm:fillClrLst>
+    <dgm:linClrLst meth="repeat">
+      <a:schemeClr val="lt1"/>
+    </dgm:linClrLst>
+    <dgm:effectClrLst/>
+    <dgm:txLinClrLst/>
+    <dgm:txFillClrLst/>
+    <dgm:txEffectClrLst/>
+  </dgm:styleLbl>
+  <dgm:styleLbl name="node4">
+    <dgm:fillClrLst meth="repeat">
+      <a:schemeClr val="accent1"/>
+    </dgm:fillClrLst>
+    <dgm:linClrLst meth="repeat">
+      <a:schemeClr val="lt1"/>
+    </dgm:linClrLst>
+    <dgm:effectClrLst/>
+    <dgm:txLinClrLst/>
+    <dgm:txFillClrLst/>
+    <dgm:txEffectClrLst/>
+  </dgm:styleLbl>
+  <dgm:styleLbl name="fgImgPlace1">
+    <dgm:fillClrLst meth="repeat">
+      <a:schemeClr val="accent1">
+        <a:tint val="50000"/>
+      </a:schemeClr>
+    </dgm:fillClrLst>
+    <dgm:linClrLst meth="repeat">
+      <a:schemeClr val="lt1"/>
+    </dgm:linClrLst>
+    <dgm:effectClrLst/>
+    <dgm:txLinClrLst/>
+    <dgm:txFillClrLst meth="repeat">
+      <a:schemeClr val="lt1"/>
+    </dgm:txFillClrLst>
+    <dgm:txEffectClrLst/>
+  </dgm:styleLbl>
+  <dgm:styleLbl name="alignImgPlace1">
+    <dgm:fillClrLst meth="repeat">
+      <a:schemeClr val="accent1">
+        <a:tint val="50000"/>
+      </a:schemeClr>
+    </dgm:fillClrLst>
+    <dgm:linClrLst meth="repeat">
+      <a:schemeClr val="lt1"/>
+    </dgm:linClrLst>
+    <dgm:effectClrLst/>
+    <dgm:txLinClrLst/>
+    <dgm:txFillClrLst meth="repeat">
+      <a:schemeClr val="lt1"/>
+    </dgm:txFillClrLst>
+    <dgm:txEffectClrLst/>
+  </dgm:styleLbl>
+  <dgm:styleLbl name="bgImgPlace1">
+    <dgm:fillClrLst meth="repeat">
+      <a:schemeClr val="accent1">
+        <a:tint val="50000"/>
+      </a:schemeClr>
+    </dgm:fillClrLst>
+    <dgm:linClrLst meth="repeat">
+      <a:schemeClr val="lt1"/>
+    </dgm:linClrLst>
+    <dgm:effectClrLst/>
+    <dgm:txLinClrLst/>
+    <dgm:txFillClrLst meth="repeat">
+      <a:schemeClr val="lt1"/>
+    </dgm:txFillClrLst>
+    <dgm:txEffectClrLst/>
+  </dgm:styleLbl>
+  <dgm:styleLbl name="sibTrans2D1">
+    <dgm:fillClrLst meth="repeat">
+      <a:schemeClr val="accent1">
+        <a:tint val="60000"/>
+      </a:schemeClr>
+    </dgm:fillClrLst>
+    <dgm:linClrLst meth="repeat">
+      <a:schemeClr val="accent1">
+        <a:tint val="60000"/>
+      </a:schemeClr>
+    </dgm:linClrLst>
+    <dgm:effectClrLst/>
+    <dgm:txLinClrLst/>
+    <dgm:txFillClrLst/>
+    <dgm:txEffectClrLst/>
+  </dgm:styleLbl>
+  <dgm:styleLbl name="fgSibTrans2D1">
+    <dgm:fillClrLst meth="repeat">
+      <a:schemeClr val="accent1">
+        <a:tint val="60000"/>
+      </a:schemeClr>
+    </dgm:fillClrLst>
+    <dgm:linClrLst meth="repeat">
+      <a:schemeClr val="accent1">
+        <a:tint val="60000"/>
+      </a:schemeClr>
+    </dgm:linClrLst>
+    <dgm:effectClrLst/>
+    <dgm:txLinClrLst/>
+    <dgm:txFillClrLst/>
+    <dgm:txEffectClrLst/>
+  </dgm:styleLbl>
+  <dgm:styleLbl name="bgSibTrans2D1">
+    <dgm:fillClrLst meth="repeat">
+      <a:schemeClr val="accent1">
+        <a:tint val="60000"/>
+      </a:schemeClr>
+    </dgm:fillClrLst>
+    <dgm:linClrLst meth="repeat">
+      <a:schemeClr val="accent1">
+        <a:tint val="60000"/>
+      </a:schemeClr>
+    </dgm:linClrLst>
+    <dgm:effectClrLst/>
+    <dgm:txLinClrLst/>
+    <dgm:txFillClrLst/>
+    <dgm:txEffectClrLst/>
+  </dgm:styleLbl>
+  <dgm:styleLbl name="sibTrans1D1">
+    <dgm:fillClrLst meth="repeat">
+      <a:schemeClr val="accent1"/>
+    </dgm:fillClrLst>
+    <dgm:linClrLst meth="repeat">
+      <a:schemeClr val="accent1"/>
+    </dgm:linClrLst>
+    <dgm:effectClrLst/>
+    <dgm:txLinClrLst/>
+    <dgm:txFillClrLst meth="repeat">
+      <a:schemeClr val="tx1"/>
+    </dgm:txFillClrLst>
+    <dgm:txEffectClrLst/>
+  </dgm:styleLbl>
+  <dgm:styleLbl name="callout">
+    <dgm:fillClrLst meth="repeat">
+      <a:schemeClr val="accent1"/>
+    </dgm:fillClrLst>
+    <dgm:linClrLst meth="repeat">
+      <a:schemeClr val="accent1">
+        <a:tint val="50000"/>
+      </a:schemeClr>
+    </dgm:linClrLst>
+    <dgm:effectClrLst/>
+    <dgm:txLinClrLst/>
+    <dgm:txFillClrLst meth="repeat">
+      <a:schemeClr val="tx1"/>
+    </dgm:txFillClrLst>
+    <dgm:txEffectClrLst/>
+  </dgm:styleLbl>
+  <dgm:styleLbl name="asst0">
+    <dgm:fillClrLst meth="repeat">
+      <a:schemeClr val="accent1"/>
+    </dgm:fillClrLst>
+    <dgm:linClrLst meth="repeat">
+      <a:schemeClr val="lt1"/>
+    </dgm:linClrLst>
+    <dgm:effectClrLst/>
+    <dgm:txLinClrLst/>
+    <dgm:txFillClrLst/>
+    <dgm:txEffectClrLst/>
+  </dgm:styleLbl>
+  <dgm:styleLbl name="asst1">
+    <dgm:fillClrLst meth="repeat">
+      <a:schemeClr val="accent1"/>
+    </dgm:fillClrLst>
+    <dgm:linClrLst meth="repeat">
+      <a:schemeClr val="lt1"/>
+    </dgm:linClrLst>
+    <dgm:effectClrLst/>
+    <dgm:txLinClrLst/>
+    <dgm:txFillClrLst/>
+    <dgm:txEffectClrLst/>
+  </dgm:styleLbl>
+  <dgm:styleLbl name="asst2">
+    <dgm:fillClrLst meth="repeat">
+      <a:schemeClr val="accent1"/>
+    </dgm:fillClrLst>
+    <dgm:linClrLst meth="repeat">
+      <a:schemeClr val="lt1"/>
+    </dgm:linClrLst>
+    <dgm:effectClrLst/>
+    <dgm:txLinClrLst/>
+    <dgm:txFillClrLst/>
+    <dgm:txEffectClrLst/>
+  </dgm:styleLbl>
+  <dgm:styleLbl name="asst3">
+    <dgm:fillClrLst meth="repeat">
+      <a:schemeClr val="accent1"/>
+    </dgm:fillClrLst>
+    <dgm:linClrLst meth="repeat">
+      <a:schemeClr val="lt1"/>
+    </dgm:linClrLst>
+    <dgm:effectClrLst/>
+    <dgm:txLinClrLst/>
+    <dgm:txFillClrLst/>
+    <dgm:txEffectClrLst/>
+  </dgm:styleLbl>
+  <dgm:styleLbl name="asst4">
+    <dgm:fillClrLst meth="repeat">
+      <a:schemeClr val="accent1"/>
+    </dgm:fillClrLst>
+    <dgm:linClrLst meth="repeat">
+      <a:schemeClr val="lt1"/>
+    </dgm:linClrLst>
+    <dgm:effectClrLst/>
+    <dgm:txLinClrLst/>
+    <dgm:txFillClrLst/>
+    <dgm:txEffectClrLst/>
+  </dgm:styleLbl>
+  <dgm:styleLbl name="parChTrans2D1">
+    <dgm:fillClrLst meth="repeat">
+      <a:schemeClr val="accent1">
+        <a:tint val="60000"/>
+      </a:schemeClr>
+    </dgm:fillClrLst>
+    <dgm:linClrLst meth="repeat">
+      <a:schemeClr val="accent1">
+        <a:tint val="60000"/>
+      </a:schemeClr>
+    </dgm:linClrLst>
+    <dgm:effectClrLst/>
+    <dgm:txLinClrLst/>
+    <dgm:txFillClrLst meth="repeat">
+      <a:schemeClr val="lt1"/>
+    </dgm:txFillClrLst>
+    <dgm:txEffectClrLst/>
+  </dgm:styleLbl>
+  <dgm:styleLbl name="parChTrans2D2">
+    <dgm:fillClrLst meth="repeat">
+      <a:schemeClr val="accent1"/>
+    </dgm:fillClrLst>
+    <dgm:linClrLst meth="repeat">
+      <a:schemeClr val="accent1"/>
+    </dgm:linClrLst>
+    <dgm:effectClrLst/>
+    <dgm:txLinClrLst/>
+    <dgm:txFillClrLst meth="repeat">
+      <a:schemeClr val="lt1"/>
+    </dgm:txFillClrLst>
+    <dgm:txEffectClrLst/>
+  </dgm:styleLbl>
+  <dgm:styleLbl name="parChTrans2D3">
+    <dgm:fillClrLst meth="repeat">
+      <a:schemeClr val="accent1"/>
+    </dgm:fillClrLst>
+    <dgm:linClrLst meth="repeat">
+      <a:schemeClr val="accent1"/>
+    </dgm:linClrLst>
+    <dgm:effectClrLst/>
+    <dgm:txLinClrLst/>
+    <dgm:txFillClrLst meth="repeat">
+      <a:schemeClr val="lt1"/>
+    </dgm:txFillClrLst>
+    <dgm:txEffectClrLst/>
+  </dgm:styleLbl>
+  <dgm:styleLbl name="parChTrans2D4">
+    <dgm:fillClrLst meth="repeat">
+      <a:schemeClr val="accent1"/>
+    </dgm:fillClrLst>
+    <dgm:linClrLst meth="repeat">
+      <a:schemeClr val="accent1"/>
+    </dgm:linClrLst>
+    <dgm:effectClrLst/>
+    <dgm:txLinClrLst/>
+    <dgm:txFillClrLst meth="repeat">
+      <a:schemeClr val="lt1"/>
+    </dgm:txFillClrLst>
+    <dgm:txEffectClrLst/>
+  </dgm:styleLbl>
+  <dgm:styleLbl name="parChTrans1D1">
+    <dgm:fillClrLst meth="repeat">
+      <a:schemeClr val="accent1"/>
+    </dgm:fillClrLst>
+    <dgm:linClrLst meth="repeat">
+      <a:schemeClr val="accent1">
+        <a:shade val="60000"/>
+      </a:schemeClr>
+    </dgm:linClrLst>
+    <dgm:effectClrLst/>
+    <dgm:txLinClrLst/>
+    <dgm:txFillClrLst meth="repeat">
+      <a:schemeClr val="tx1"/>
+    </dgm:txFillClrLst>
+    <dgm:txEffectClrLst/>
+  </dgm:styleLbl>
+  <dgm:styleLbl name="parChTrans1D2">
+    <dgm:fillClrLst meth="repeat">
+      <a:schemeClr val="accent1"/>
+    </dgm:fillClrLst>
+    <dgm:linClrLst meth="repeat">
+      <a:schemeClr val="accent1">
+        <a:shade val="60000"/>
+      </a:schemeClr>
+    </dgm:linClrLst>
+    <dgm:effectClrLst/>
+    <dgm:txLinClrLst/>
+    <dgm:txFillClrLst meth="repeat">
+      <a:schemeClr val="tx1"/>
+    </dgm:txFillClrLst>
+    <dgm:txEffectClrLst/>
+  </dgm:styleLbl>
+  <dgm:styleLbl name="parChTrans1D3">
+    <dgm:fillClrLst meth="repeat">
+      <a:schemeClr val="accent1"/>
+    </dgm:fillClrLst>
+    <dgm:linClrLst meth="repeat">
+      <a:schemeClr val="accent1">
+        <a:shade val="80000"/>
+      </a:schemeClr>
+    </dgm:linClrLst>
+    <dgm:effectClrLst/>
+    <dgm:txLinClrLst/>
+    <dgm:txFillClrLst meth="repeat">
+      <a:schemeClr val="tx1"/>
+    </dgm:txFillClrLst>
+    <dgm:txEffectClrLst/>
+  </dgm:styleLbl>
+  <dgm:styleLbl name="parChTrans1D4">
+    <dgm:fillClrLst meth="repeat">
+      <a:schemeClr val="accent1"/>
+    </dgm:fillClrLst>
+    <dgm:linClrLst meth="repeat">
+      <a:schemeClr val="accent1">
+        <a:shade val="80000"/>
+      </a:schemeClr>
+    </dgm:linClrLst>
+    <dgm:effectClrLst/>
+    <dgm:txLinClrLst/>
+    <dgm:txFillClrLst meth="repeat">
+      <a:schemeClr val="tx1"/>
+    </dgm:txFillClrLst>
+    <dgm:txEffectClrLst/>
+  </dgm:styleLbl>
+  <dgm:styleLbl name="fgAcc1">
+    <dgm:fillClrLst meth="repeat">
+      <a:schemeClr val="lt1">
+        <a:alpha val="90000"/>
+      </a:schemeClr>
+    </dgm:fillClrLst>
+    <dgm:linClrLst meth="repeat">
+      <a:schemeClr val="accent1"/>
+    </dgm:linClrLst>
+    <dgm:effectClrLst/>
+    <dgm:txLinClrLst/>
+    <dgm:txFillClrLst meth="repeat">
+      <a:schemeClr val="dk1"/>
+    </dgm:txFillClrLst>
+    <dgm:txEffectClrLst/>
+  </dgm:styleLbl>
+  <dgm:styleLbl name="conFgAcc1">
+    <dgm:fillClrLst meth="repeat">
+      <a:schemeClr val="lt1">
+        <a:alpha val="90000"/>
+      </a:schemeClr>
+    </dgm:fillClrLst>
+    <dgm:linClrLst meth="repeat">
+      <a:schemeClr val="accent1"/>
+    </dgm:linClrLst>
+    <dgm:effectClrLst/>
+    <dgm:txLinClrLst/>
+    <dgm:txFillClrLst meth="repeat">
+      <a:schemeClr val="dk1"/>
+    </dgm:txFillClrLst>
+    <dgm:txEffectClrLst/>
+  </dgm:styleLbl>
+  <dgm:styleLbl name="alignAcc1">
+    <dgm:fillClrLst meth="repeat">
+      <a:schemeClr val="lt1">
+        <a:alpha val="90000"/>
+      </a:schemeClr>
+    </dgm:fillClrLst>
+    <dgm:linClrLst meth="repeat">
+      <a:schemeClr val="accent1"/>
+    </dgm:linClrLst>
+    <dgm:effectClrLst/>
+    <dgm:txLinClrLst/>
+    <dgm:txFillClrLst meth="repeat">
+      <a:schemeClr val="dk1"/>
+    </dgm:txFillClrLst>
+    <dgm:txEffectClrLst/>
+  </dgm:styleLbl>
+  <dgm:styleLbl name="trAlignAcc1">
+    <dgm:fillClrLst meth="repeat">
+      <a:schemeClr val="lt1">
+        <a:alpha val="40000"/>
+      </a:schemeClr>
+    </dgm:fillClrLst>
+    <dgm:linClrLst meth="repeat">
+      <a:schemeClr val="accent1"/>
+    </dgm:linClrLst>
+    <dgm:effectClrLst/>
+    <dgm:txLinClrLst/>
+    <dgm:txFillClrLst meth="repeat">
+      <a:schemeClr val="dk1"/>
+    </dgm:txFillClrLst>
+    <dgm:txEffectClrLst/>
+  </dgm:styleLbl>
+  <dgm:styleLbl name="bgAcc1">
+    <dgm:fillClrLst meth="repeat">
+      <a:schemeClr val="lt1">
+        <a:alpha val="90000"/>
+      </a:schemeClr>
+    </dgm:fillClrLst>
+    <dgm:linClrLst meth="repeat">
+      <a:schemeClr val="accent1"/>
+    </dgm:linClrLst>
+    <dgm:effectClrLst/>
+    <dgm:txLinClrLst/>
+    <dgm:txFillClrLst meth="repeat">
+      <a:schemeClr val="dk1"/>
+    </dgm:txFillClrLst>
+    <dgm:txEffectClrLst/>
+  </dgm:styleLbl>
+  <dgm:styleLbl name="solidFgAcc1">
+    <dgm:fillClrLst meth="repeat">
+      <a:schemeClr val="lt1"/>
+    </dgm:fillClrLst>
+    <dgm:linClrLst meth="repeat">
+      <a:schemeClr val="accent1"/>
+    </dgm:linClrLst>
+    <dgm:effectClrLst/>
+    <dgm:txLinClrLst/>
+    <dgm:txFillClrLst meth="repeat">
+      <a:schemeClr val="dk1"/>
+    </dgm:txFillClrLst>
+    <dgm:txEffectClrLst/>
+  </dgm:styleLbl>
+  <dgm:styleLbl name="solidAlignAcc1">
+    <dgm:fillClrLst meth="repeat">
+      <a:schemeClr val="lt1"/>
+    </dgm:fillClrLst>
+    <dgm:linClrLst meth="repeat">
+      <a:schemeClr val="accent1"/>
+    </dgm:linClrLst>
+    <dgm:effectClrLst/>
+    <dgm:txLinClrLst/>
+    <dgm:txFillClrLst meth="repeat">
+      <a:schemeClr val="dk1"/>
+    </dgm:txFillClrLst>
+    <dgm:txEffectClrLst/>
+  </dgm:styleLbl>
+  <dgm:styleLbl name="solidBgAcc1">
+    <dgm:fillClrLst meth="repeat">
+      <a:schemeClr val="lt1"/>
+    </dgm:fillClrLst>
+    <dgm:linClrLst meth="repeat">
+      <a:schemeClr val="accent1"/>
+    </dgm:linClrLst>
+    <dgm:effectClrLst/>
+    <dgm:txLinClrLst/>
+    <dgm:txFillClrLst meth="repeat">
+      <a:schemeClr val="dk1"/>
+    </dgm:txFillClrLst>
+    <dgm:txEffectClrLst/>
+  </dgm:styleLbl>
+  <dgm:styleLbl name="fgAccFollowNode1">
+    <dgm:fillClrLst meth="repeat">
+      <a:schemeClr val="accent1">
+        <a:alpha val="90000"/>
+        <a:tint val="40000"/>
+      </a:schemeClr>
+    </dgm:fillClrLst>
+    <dgm:linClrLst meth="repeat">
+      <a:schemeClr val="accent1">
+        <a:alpha val="90000"/>
+        <a:tint val="40000"/>
+      </a:schemeClr>
+    </dgm:linClrLst>
+    <dgm:effectClrLst/>
+    <dgm:txLinClrLst/>
+    <dgm:txFillClrLst meth="repeat">
+      <a:schemeClr val="dk1"/>
+    </dgm:txFillClrLst>
+    <dgm:txEffectClrLst/>
+  </dgm:styleLbl>
+  <dgm:styleLbl name="alignAccFollowNode1">
+    <dgm:fillClrLst meth="repeat">
+      <a:schemeClr val="accent1">
+        <a:alpha val="90000"/>
+        <a:tint val="40000"/>
+      </a:schemeClr>
+    </dgm:fillClrLst>
+    <dgm:linClrLst meth="repeat">
+      <a:schemeClr val="accent1">
+        <a:alpha val="90000"/>
+        <a:tint val="40000"/>
+      </a:schemeClr>
+    </dgm:linClrLst>
+    <dgm:effectClrLst/>
+    <dgm:txLinClrLst/>
+    <dgm:txFillClrLst meth="repeat">
+      <a:schemeClr val="dk1"/>
+    </dgm:txFillClrLst>
+    <dgm:txEffectClrLst/>
+  </dgm:styleLbl>
+  <dgm:styleLbl name="bgAccFollowNode1">
+    <dgm:fillClrLst meth="repeat">
+      <a:schemeClr val="accent1">
+        <a:alpha val="90000"/>
+        <a:tint val="40000"/>
+      </a:schemeClr>
+    </dgm:fillClrLst>
+    <dgm:linClrLst meth="repeat">
+      <a:schemeClr val="accent1">
+        <a:alpha val="90000"/>
+        <a:tint val="40000"/>
+      </a:schemeClr>
+    </dgm:linClrLst>
+    <dgm:effectClrLst/>
+    <dgm:txLinClrLst/>
+    <dgm:txFillClrLst meth="repeat">
+      <a:schemeClr val="dk1"/>
+    </dgm:txFillClrLst>
+    <dgm:txEffectClrLst/>
+  </dgm:styleLbl>
+  <dgm:styleLbl name="fgAcc0">
+    <dgm:fillClrLst meth="repeat">
+      <a:schemeClr val="lt1">
+        <a:alpha val="90000"/>
+      </a:schemeClr>
+    </dgm:fillClrLst>
+    <dgm:linClrLst meth="repeat">
+      <a:schemeClr val="accent1"/>
+    </dgm:linClrLst>
+    <dgm:effectClrLst/>
+    <dgm:txLinClrLst/>
+    <dgm:txFillClrLst meth="repeat">
+      <a:schemeClr val="dk1"/>
+    </dgm:txFillClrLst>
+    <dgm:txEffectClrLst/>
+  </dgm:styleLbl>
+  <dgm:styleLbl name="fgAcc2">
+    <dgm:fillClrLst meth="repeat">
+      <a:schemeClr val="lt1">
+        <a:alpha val="90000"/>
+      </a:schemeClr>
+    </dgm:fillClrLst>
+    <dgm:linClrLst meth="repeat">
+      <a:schemeClr val="accent1"/>
+    </dgm:linClrLst>
+    <dgm:effectClrLst/>
+    <dgm:txLinClrLst/>
+    <dgm:txFillClrLst meth="repeat">
+      <a:schemeClr val="dk1"/>
+    </dgm:txFillClrLst>
+    <dgm:txEffectClrLst/>
+  </dgm:styleLbl>
+  <dgm:styleLbl name="fgAcc3">
+    <dgm:fillClrLst meth="repeat">
+      <a:schemeClr val="lt1">
+        <a:alpha val="90000"/>
+      </a:schemeClr>
+    </dgm:fillClrLst>
+    <dgm:linClrLst meth="repeat">
+      <a:schemeClr val="accent1"/>
+    </dgm:linClrLst>
+    <dgm:effectClrLst/>
+    <dgm:txLinClrLst/>
+    <dgm:txFillClrLst meth="repeat">
+      <a:schemeClr val="dk1"/>
+    </dgm:txFillClrLst>
+    <dgm:txEffectClrLst/>
+  </dgm:styleLbl>
+  <dgm:styleLbl name="fgAcc4">
+    <dgm:fillClrLst meth="repeat">
+      <a:schemeClr val="lt1">
+        <a:alpha val="90000"/>
+      </a:schemeClr>
+    </dgm:fillClrLst>
+    <dgm:linClrLst meth="repeat">
+      <a:schemeClr val="accent1"/>
+    </dgm:linClrLst>
+    <dgm:effectClrLst/>
+    <dgm:txLinClrLst/>
+    <dgm:txFillClrLst meth="repeat">
+      <a:schemeClr val="dk1"/>
+    </dgm:txFillClrLst>
+    <dgm:txEffectClrLst/>
+  </dgm:styleLbl>
+  <dgm:styleLbl name="bgShp">
+    <dgm:fillClrLst meth="repeat">
+      <a:schemeClr val="accent1">
+        <a:tint val="40000"/>
+      </a:schemeClr>
+    </dgm:fillClrLst>
+    <dgm:linClrLst meth="repeat">
+      <a:schemeClr val="accent1"/>
+    </dgm:linClrLst>
+    <dgm:effectClrLst/>
+    <dgm:txLinClrLst/>
+    <dgm:txFillClrLst meth="repeat">
+      <a:schemeClr val="dk1"/>
+    </dgm:txFillClrLst>
+    <dgm:txEffectClrLst/>
+  </dgm:styleLbl>
+  <dgm:styleLbl name="dkBgShp">
+    <dgm:fillClrLst meth="repeat">
+      <a:schemeClr val="accent1">
+        <a:shade val="80000"/>
+      </a:schemeClr>
+    </dgm:fillClrLst>
+    <dgm:linClrLst meth="repeat">
+      <a:schemeClr val="accent1"/>
+    </dgm:linClrLst>
+    <dgm:effectClrLst/>
+    <dgm:txLinClrLst/>
+    <dgm:txFillClrLst meth="repeat">
+      <a:schemeClr val="lt1"/>
+    </dgm:txFillClrLst>
+    <dgm:txEffectClrLst/>
+  </dgm:styleLbl>
+  <dgm:styleLbl name="trBgShp">
+    <dgm:fillClrLst meth="repeat">
+      <a:schemeClr val="accent1">
+        <a:tint val="50000"/>
+        <a:alpha val="40000"/>
+      </a:schemeClr>
+    </dgm:fillClrLst>
+    <dgm:linClrLst meth="repeat">
+      <a:schemeClr val="accent1"/>
+    </dgm:linClrLst>
+    <dgm:effectClrLst/>
+    <dgm:txLinClrLst/>
+    <dgm:txFillClrLst meth="repeat">
+      <a:schemeClr val="lt1"/>
+    </dgm:txFillClrLst>
+    <dgm:txEffectClrLst/>
+  </dgm:styleLbl>
+  <dgm:styleLbl name="fgShp">
+    <dgm:fillClrLst meth="repeat">
+      <a:schemeClr val="accent1">
+        <a:tint val="60000"/>
+      </a:schemeClr>
+    </dgm:fillClrLst>
+    <dgm:linClrLst meth="repeat">
+      <a:schemeClr val="lt1"/>
+    </dgm:linClrLst>
+    <dgm:effectClrLst/>
+    <dgm:txLinClrLst/>
+    <dgm:txFillClrLst meth="repeat">
+      <a:schemeClr val="dk1"/>
+    </dgm:txFillClrLst>
+    <dgm:txEffectClrLst/>
+  </dgm:styleLbl>
+  <dgm:styleLbl name="revTx">
+    <dgm:fillClrLst meth="repeat">
+      <a:schemeClr val="lt1">
+        <a:alpha val="0"/>
+      </a:schemeClr>
+    </dgm:fillClrLst>
+    <dgm:linClrLst meth="repeat">
+      <a:schemeClr val="dk1">
+        <a:alpha val="0"/>
+      </a:schemeClr>
+    </dgm:linClrLst>
+    <dgm:effectClrLst/>
+    <dgm:txLinClrLst/>
+    <dgm:txFillClrLst meth="repeat">
+      <a:schemeClr val="tx1"/>
+    </dgm:txFillClrLst>
+    <dgm:txEffectClrLst/>
+  </dgm:styleLbl>
+</dgm:colorsDef>
+</file>
+
+<file path=ppt/diagrams/data1.xml><?xml version="1.0" encoding="utf-8"?>
+<dgm:dataModel xmlns:dgm="http://schemas.openxmlformats.org/drawingml/2006/diagram" xmlns:a="http://schemas.openxmlformats.org/drawingml/2006/main">
+  <dgm:ptLst>
+    <dgm:pt modelId="{AB6B684C-9548-4206-BBC0-6A852536AC55}" type="doc">
+      <dgm:prSet loTypeId="urn:microsoft.com/office/officeart/2005/8/layout/hProcess11" loCatId="process" qsTypeId="urn:microsoft.com/office/officeart/2005/8/quickstyle/simple5" qsCatId="simple" csTypeId="urn:microsoft.com/office/officeart/2005/8/colors/accent1_2" csCatId="accent1" phldr="1"/>
+      <dgm:spPr/>
+      <dgm:t>
+        <a:bodyPr/>
+        <a:lstStyle/>
+        <a:p>
+          <a:endParaRPr lang="en-US"/>
+        </a:p>
+      </dgm:t>
+    </dgm:pt>
+    <dgm:pt modelId="{DC2C141F-35D6-4DE9-B431-4756283A1683}">
+      <dgm:prSet/>
+      <dgm:spPr/>
+      <dgm:t>
+        <a:bodyPr/>
+        <a:lstStyle/>
+        <a:p>
+          <a:r>
+            <a:rPr lang="en-US"/>
+            <a:t>Picture Upload</a:t>
+          </a:r>
+          <a:endParaRPr lang="en-US"/>
+        </a:p>
+      </dgm:t>
+    </dgm:pt>
+    <dgm:pt modelId="{FA898C88-0480-434F-BD50-66916D0E81FC}" type="parTrans" cxnId="{18FF093A-0427-4D5A-8F36-96163865AE1D}">
+      <dgm:prSet/>
+      <dgm:spPr/>
+      <dgm:t>
+        <a:bodyPr/>
+        <a:lstStyle/>
+        <a:p>
+          <a:endParaRPr lang="en-US"/>
+        </a:p>
+      </dgm:t>
+    </dgm:pt>
+    <dgm:pt modelId="{30EB500F-9EF2-4D89-B1EE-5B54EC6AEDE0}" type="sibTrans" cxnId="{18FF093A-0427-4D5A-8F36-96163865AE1D}">
+      <dgm:prSet/>
+      <dgm:spPr/>
+      <dgm:t>
+        <a:bodyPr/>
+        <a:lstStyle/>
+        <a:p>
+          <a:endParaRPr lang="en-US"/>
+        </a:p>
+      </dgm:t>
+    </dgm:pt>
+    <dgm:pt modelId="{8EEA1630-8077-4ECF-8F9D-48026C6BC01D}">
+      <dgm:prSet/>
+      <dgm:spPr/>
+      <dgm:t>
+        <a:bodyPr/>
+        <a:lstStyle/>
+        <a:p>
+          <a:r>
+            <a:rPr lang="en-US"/>
+            <a:t>Advanced Search</a:t>
+          </a:r>
+          <a:endParaRPr lang="en-US"/>
+        </a:p>
+      </dgm:t>
+    </dgm:pt>
+    <dgm:pt modelId="{CC690822-6297-46FA-A2FA-C7042066967B}" type="parTrans" cxnId="{AABB20F6-8C2C-481A-AA3F-0A11CA53FFD2}">
+      <dgm:prSet/>
+      <dgm:spPr/>
+      <dgm:t>
+        <a:bodyPr/>
+        <a:lstStyle/>
+        <a:p>
+          <a:endParaRPr lang="en-US"/>
+        </a:p>
+      </dgm:t>
+    </dgm:pt>
+    <dgm:pt modelId="{B0DFD7D8-D51F-4B95-B58A-6ED86F0AE76D}" type="sibTrans" cxnId="{AABB20F6-8C2C-481A-AA3F-0A11CA53FFD2}">
+      <dgm:prSet/>
+      <dgm:spPr/>
+      <dgm:t>
+        <a:bodyPr/>
+        <a:lstStyle/>
+        <a:p>
+          <a:endParaRPr lang="en-US"/>
+        </a:p>
+      </dgm:t>
+    </dgm:pt>
+    <dgm:pt modelId="{C82B85FD-8378-4455-A9C7-0EA3405BB7FB}">
+      <dgm:prSet/>
+      <dgm:spPr/>
+      <dgm:t>
+        <a:bodyPr/>
+        <a:lstStyle/>
+        <a:p>
+          <a:r>
+            <a:rPr lang="en-US" dirty="0"/>
+            <a:t>Following/Followers</a:t>
+          </a:r>
+        </a:p>
+      </dgm:t>
+    </dgm:pt>
+    <dgm:pt modelId="{4F74EEA7-9AC7-442E-B83F-51D80DD05B4D}" type="parTrans" cxnId="{597DAE04-3356-405C-B278-1D7FCF3FEAB5}">
+      <dgm:prSet/>
+      <dgm:spPr/>
+      <dgm:t>
+        <a:bodyPr/>
+        <a:lstStyle/>
+        <a:p>
+          <a:endParaRPr lang="en-US"/>
+        </a:p>
+      </dgm:t>
+    </dgm:pt>
+    <dgm:pt modelId="{8352EDE7-F403-4584-9301-4887AD4F7D22}" type="sibTrans" cxnId="{597DAE04-3356-405C-B278-1D7FCF3FEAB5}">
+      <dgm:prSet/>
+      <dgm:spPr/>
+      <dgm:t>
+        <a:bodyPr/>
+        <a:lstStyle/>
+        <a:p>
+          <a:endParaRPr lang="en-US"/>
+        </a:p>
+      </dgm:t>
+    </dgm:pt>
+    <dgm:pt modelId="{8722420A-CE33-47B1-A6BE-D4E43A510758}">
+      <dgm:prSet/>
+      <dgm:spPr/>
+      <dgm:t>
+        <a:bodyPr/>
+        <a:lstStyle/>
+        <a:p>
+          <a:r>
+            <a:rPr lang="en-US"/>
+            <a:t>Social Cooking</a:t>
+          </a:r>
+          <a:endParaRPr lang="en-US" dirty="0"/>
+        </a:p>
+      </dgm:t>
+    </dgm:pt>
+    <dgm:pt modelId="{EE1E968D-DD6D-4652-AF56-F84379C1CD5D}" type="parTrans" cxnId="{CAF8EF44-8206-49BD-B5DE-126532C03B8A}">
+      <dgm:prSet/>
+      <dgm:spPr/>
+      <dgm:t>
+        <a:bodyPr/>
+        <a:lstStyle/>
+        <a:p>
+          <a:endParaRPr lang="en-US"/>
+        </a:p>
+      </dgm:t>
+    </dgm:pt>
+    <dgm:pt modelId="{2023F35F-C272-48FB-A239-5D352150BBEE}" type="sibTrans" cxnId="{CAF8EF44-8206-49BD-B5DE-126532C03B8A}">
+      <dgm:prSet/>
+      <dgm:spPr/>
+      <dgm:t>
+        <a:bodyPr/>
+        <a:lstStyle/>
+        <a:p>
+          <a:endParaRPr lang="en-US"/>
+        </a:p>
+      </dgm:t>
+    </dgm:pt>
+    <dgm:pt modelId="{BF02EB9A-CAA3-433C-9902-355D11F7B677}" type="pres">
+      <dgm:prSet presAssocID="{AB6B684C-9548-4206-BBC0-6A852536AC55}" presName="Name0" presStyleCnt="0">
+        <dgm:presLayoutVars>
+          <dgm:dir/>
+          <dgm:resizeHandles val="exact"/>
+        </dgm:presLayoutVars>
+      </dgm:prSet>
+      <dgm:spPr/>
+    </dgm:pt>
+    <dgm:pt modelId="{60F1EA6D-9E6E-4CFF-B97F-9A51C90D1427}" type="pres">
+      <dgm:prSet presAssocID="{AB6B684C-9548-4206-BBC0-6A852536AC55}" presName="arrow" presStyleLbl="bgShp" presStyleIdx="0" presStyleCnt="1"/>
+      <dgm:spPr/>
+    </dgm:pt>
+    <dgm:pt modelId="{21700E40-A706-4D7B-A46D-E5D912D76747}" type="pres">
+      <dgm:prSet presAssocID="{AB6B684C-9548-4206-BBC0-6A852536AC55}" presName="points" presStyleCnt="0"/>
+      <dgm:spPr/>
+    </dgm:pt>
+    <dgm:pt modelId="{6AD13FC7-CEAF-448D-8702-F5A15D42BF3C}" type="pres">
+      <dgm:prSet presAssocID="{DC2C141F-35D6-4DE9-B431-4756283A1683}" presName="compositeA" presStyleCnt="0"/>
+      <dgm:spPr/>
+    </dgm:pt>
+    <dgm:pt modelId="{EDDC3550-6B26-4800-9AB7-BBF1457A291C}" type="pres">
+      <dgm:prSet presAssocID="{DC2C141F-35D6-4DE9-B431-4756283A1683}" presName="textA" presStyleLbl="revTx" presStyleIdx="0" presStyleCnt="4">
+        <dgm:presLayoutVars>
+          <dgm:bulletEnabled val="1"/>
+        </dgm:presLayoutVars>
+      </dgm:prSet>
+      <dgm:spPr/>
+    </dgm:pt>
+    <dgm:pt modelId="{1E88AF55-A22F-4143-8327-146F29516F63}" type="pres">
+      <dgm:prSet presAssocID="{DC2C141F-35D6-4DE9-B431-4756283A1683}" presName="circleA" presStyleLbl="node1" presStyleIdx="0" presStyleCnt="4"/>
+      <dgm:spPr/>
+    </dgm:pt>
+    <dgm:pt modelId="{DAE844C0-2729-4D41-93A8-DB9EDD1A7E35}" type="pres">
+      <dgm:prSet presAssocID="{DC2C141F-35D6-4DE9-B431-4756283A1683}" presName="spaceA" presStyleCnt="0"/>
+      <dgm:spPr/>
+    </dgm:pt>
+    <dgm:pt modelId="{4DCC6A91-CAD6-4D9D-8622-75ABDFA9887E}" type="pres">
+      <dgm:prSet presAssocID="{30EB500F-9EF2-4D89-B1EE-5B54EC6AEDE0}" presName="space" presStyleCnt="0"/>
+      <dgm:spPr/>
+    </dgm:pt>
+    <dgm:pt modelId="{3754BDA9-215E-488D-99F3-5CFB34A24CA1}" type="pres">
+      <dgm:prSet presAssocID="{8EEA1630-8077-4ECF-8F9D-48026C6BC01D}" presName="compositeB" presStyleCnt="0"/>
+      <dgm:spPr/>
+    </dgm:pt>
+    <dgm:pt modelId="{6A021ABB-6B55-4FE2-918F-ACEA15BEAC1B}" type="pres">
+      <dgm:prSet presAssocID="{8EEA1630-8077-4ECF-8F9D-48026C6BC01D}" presName="textB" presStyleLbl="revTx" presStyleIdx="1" presStyleCnt="4">
+        <dgm:presLayoutVars>
+          <dgm:bulletEnabled val="1"/>
+        </dgm:presLayoutVars>
+      </dgm:prSet>
+      <dgm:spPr/>
+    </dgm:pt>
+    <dgm:pt modelId="{1769B213-BE05-451A-B862-A93EFA2CA7CC}" type="pres">
+      <dgm:prSet presAssocID="{8EEA1630-8077-4ECF-8F9D-48026C6BC01D}" presName="circleB" presStyleLbl="node1" presStyleIdx="1" presStyleCnt="4"/>
+      <dgm:spPr/>
+    </dgm:pt>
+    <dgm:pt modelId="{C479A355-96D4-42D0-8395-4E9C3E8476B5}" type="pres">
+      <dgm:prSet presAssocID="{8EEA1630-8077-4ECF-8F9D-48026C6BC01D}" presName="spaceB" presStyleCnt="0"/>
+      <dgm:spPr/>
+    </dgm:pt>
+    <dgm:pt modelId="{CB097120-80CA-478B-AF8B-1557BB163F8C}" type="pres">
+      <dgm:prSet presAssocID="{B0DFD7D8-D51F-4B95-B58A-6ED86F0AE76D}" presName="space" presStyleCnt="0"/>
+      <dgm:spPr/>
+    </dgm:pt>
+    <dgm:pt modelId="{3B18F246-10F9-4012-A6BE-A0BFB0DE1FB5}" type="pres">
+      <dgm:prSet presAssocID="{C82B85FD-8378-4455-A9C7-0EA3405BB7FB}" presName="compositeA" presStyleCnt="0"/>
+      <dgm:spPr/>
+    </dgm:pt>
+    <dgm:pt modelId="{EB056D47-7B05-41F3-87BD-73F44042913B}" type="pres">
+      <dgm:prSet presAssocID="{C82B85FD-8378-4455-A9C7-0EA3405BB7FB}" presName="textA" presStyleLbl="revTx" presStyleIdx="2" presStyleCnt="4">
+        <dgm:presLayoutVars>
+          <dgm:bulletEnabled val="1"/>
+        </dgm:presLayoutVars>
+      </dgm:prSet>
+      <dgm:spPr/>
+    </dgm:pt>
+    <dgm:pt modelId="{C2863088-9683-4E42-8644-641FEEEEDAFB}" type="pres">
+      <dgm:prSet presAssocID="{C82B85FD-8378-4455-A9C7-0EA3405BB7FB}" presName="circleA" presStyleLbl="node1" presStyleIdx="2" presStyleCnt="4"/>
+      <dgm:spPr/>
+    </dgm:pt>
+    <dgm:pt modelId="{375B2008-8BD5-4D4A-B9EC-AD9338F6AEDF}" type="pres">
+      <dgm:prSet presAssocID="{C82B85FD-8378-4455-A9C7-0EA3405BB7FB}" presName="spaceA" presStyleCnt="0"/>
+      <dgm:spPr/>
+    </dgm:pt>
+    <dgm:pt modelId="{F1C0BCA9-A8C9-41E3-923C-C38C3EA4B0BB}" type="pres">
+      <dgm:prSet presAssocID="{8352EDE7-F403-4584-9301-4887AD4F7D22}" presName="space" presStyleCnt="0"/>
+      <dgm:spPr/>
+    </dgm:pt>
+    <dgm:pt modelId="{C4BC453D-68C0-4548-8FD1-1AF71144983A}" type="pres">
+      <dgm:prSet presAssocID="{8722420A-CE33-47B1-A6BE-D4E43A510758}" presName="compositeB" presStyleCnt="0"/>
+      <dgm:spPr/>
+    </dgm:pt>
+    <dgm:pt modelId="{4DEF024D-74BC-4AB1-B5D3-45475D036882}" type="pres">
+      <dgm:prSet presAssocID="{8722420A-CE33-47B1-A6BE-D4E43A510758}" presName="textB" presStyleLbl="revTx" presStyleIdx="3" presStyleCnt="4">
+        <dgm:presLayoutVars>
+          <dgm:bulletEnabled val="1"/>
+        </dgm:presLayoutVars>
+      </dgm:prSet>
+      <dgm:spPr/>
+    </dgm:pt>
+    <dgm:pt modelId="{9F1507A5-4DCD-4143-B1D5-A884FB82AA6E}" type="pres">
+      <dgm:prSet presAssocID="{8722420A-CE33-47B1-A6BE-D4E43A510758}" presName="circleB" presStyleLbl="node1" presStyleIdx="3" presStyleCnt="4"/>
+      <dgm:spPr/>
+    </dgm:pt>
+    <dgm:pt modelId="{BF5D09CB-EC92-4138-9FAE-013C65970119}" type="pres">
+      <dgm:prSet presAssocID="{8722420A-CE33-47B1-A6BE-D4E43A510758}" presName="spaceB" presStyleCnt="0"/>
+      <dgm:spPr/>
+    </dgm:pt>
+  </dgm:ptLst>
+  <dgm:cxnLst>
+    <dgm:cxn modelId="{42FFDCED-0E05-48F2-9DAB-D0C97ABD59FB}" type="presOf" srcId="{C82B85FD-8378-4455-A9C7-0EA3405BB7FB}" destId="{EB056D47-7B05-41F3-87BD-73F44042913B}" srcOrd="0" destOrd="0" presId="urn:microsoft.com/office/officeart/2005/8/layout/hProcess11"/>
+    <dgm:cxn modelId="{18FF093A-0427-4D5A-8F36-96163865AE1D}" srcId="{AB6B684C-9548-4206-BBC0-6A852536AC55}" destId="{DC2C141F-35D6-4DE9-B431-4756283A1683}" srcOrd="0" destOrd="0" parTransId="{FA898C88-0480-434F-BD50-66916D0E81FC}" sibTransId="{30EB500F-9EF2-4D89-B1EE-5B54EC6AEDE0}"/>
+    <dgm:cxn modelId="{CAF8EF44-8206-49BD-B5DE-126532C03B8A}" srcId="{AB6B684C-9548-4206-BBC0-6A852536AC55}" destId="{8722420A-CE33-47B1-A6BE-D4E43A510758}" srcOrd="3" destOrd="0" parTransId="{EE1E968D-DD6D-4652-AF56-F84379C1CD5D}" sibTransId="{2023F35F-C272-48FB-A239-5D352150BBEE}"/>
+    <dgm:cxn modelId="{597DAE04-3356-405C-B278-1D7FCF3FEAB5}" srcId="{AB6B684C-9548-4206-BBC0-6A852536AC55}" destId="{C82B85FD-8378-4455-A9C7-0EA3405BB7FB}" srcOrd="2" destOrd="0" parTransId="{4F74EEA7-9AC7-442E-B83F-51D80DD05B4D}" sibTransId="{8352EDE7-F403-4584-9301-4887AD4F7D22}"/>
+    <dgm:cxn modelId="{3582E3E9-E326-45E3-8851-67206422C195}" type="presOf" srcId="{8EEA1630-8077-4ECF-8F9D-48026C6BC01D}" destId="{6A021ABB-6B55-4FE2-918F-ACEA15BEAC1B}" srcOrd="0" destOrd="0" presId="urn:microsoft.com/office/officeart/2005/8/layout/hProcess11"/>
+    <dgm:cxn modelId="{7A1799BB-B8C5-411A-9E59-D3FDFD71D2E4}" type="presOf" srcId="{DC2C141F-35D6-4DE9-B431-4756283A1683}" destId="{EDDC3550-6B26-4800-9AB7-BBF1457A291C}" srcOrd="0" destOrd="0" presId="urn:microsoft.com/office/officeart/2005/8/layout/hProcess11"/>
+    <dgm:cxn modelId="{AABB20F6-8C2C-481A-AA3F-0A11CA53FFD2}" srcId="{AB6B684C-9548-4206-BBC0-6A852536AC55}" destId="{8EEA1630-8077-4ECF-8F9D-48026C6BC01D}" srcOrd="1" destOrd="0" parTransId="{CC690822-6297-46FA-A2FA-C7042066967B}" sibTransId="{B0DFD7D8-D51F-4B95-B58A-6ED86F0AE76D}"/>
+    <dgm:cxn modelId="{1266799C-C814-4770-94F8-B36EFF8E70AB}" type="presOf" srcId="{AB6B684C-9548-4206-BBC0-6A852536AC55}" destId="{BF02EB9A-CAA3-433C-9902-355D11F7B677}" srcOrd="0" destOrd="0" presId="urn:microsoft.com/office/officeart/2005/8/layout/hProcess11"/>
+    <dgm:cxn modelId="{C3E10AFD-0EF0-4DE6-984C-ACC440EED8E7}" type="presOf" srcId="{8722420A-CE33-47B1-A6BE-D4E43A510758}" destId="{4DEF024D-74BC-4AB1-B5D3-45475D036882}" srcOrd="0" destOrd="0" presId="urn:microsoft.com/office/officeart/2005/8/layout/hProcess11"/>
+    <dgm:cxn modelId="{F9A50281-BAA6-4DF9-AA16-5B58CE6D822D}" type="presParOf" srcId="{BF02EB9A-CAA3-433C-9902-355D11F7B677}" destId="{60F1EA6D-9E6E-4CFF-B97F-9A51C90D1427}" srcOrd="0" destOrd="0" presId="urn:microsoft.com/office/officeart/2005/8/layout/hProcess11"/>
+    <dgm:cxn modelId="{909C55F8-2918-437A-A4EA-453A53379F14}" type="presParOf" srcId="{BF02EB9A-CAA3-433C-9902-355D11F7B677}" destId="{21700E40-A706-4D7B-A46D-E5D912D76747}" srcOrd="1" destOrd="0" presId="urn:microsoft.com/office/officeart/2005/8/layout/hProcess11"/>
+    <dgm:cxn modelId="{6843840D-5B31-4AAC-91BE-4945BFB527D1}" type="presParOf" srcId="{21700E40-A706-4D7B-A46D-E5D912D76747}" destId="{6AD13FC7-CEAF-448D-8702-F5A15D42BF3C}" srcOrd="0" destOrd="0" presId="urn:microsoft.com/office/officeart/2005/8/layout/hProcess11"/>
+    <dgm:cxn modelId="{0CD6A56C-33F3-4102-AA7F-AD61209E5B35}" type="presParOf" srcId="{6AD13FC7-CEAF-448D-8702-F5A15D42BF3C}" destId="{EDDC3550-6B26-4800-9AB7-BBF1457A291C}" srcOrd="0" destOrd="0" presId="urn:microsoft.com/office/officeart/2005/8/layout/hProcess11"/>
+    <dgm:cxn modelId="{2039208A-4784-40A0-B52E-97B7ED560990}" type="presParOf" srcId="{6AD13FC7-CEAF-448D-8702-F5A15D42BF3C}" destId="{1E88AF55-A22F-4143-8327-146F29516F63}" srcOrd="1" destOrd="0" presId="urn:microsoft.com/office/officeart/2005/8/layout/hProcess11"/>
+    <dgm:cxn modelId="{4BF55AC4-C912-4C26-8DC8-8521CFBE68B5}" type="presParOf" srcId="{6AD13FC7-CEAF-448D-8702-F5A15D42BF3C}" destId="{DAE844C0-2729-4D41-93A8-DB9EDD1A7E35}" srcOrd="2" destOrd="0" presId="urn:microsoft.com/office/officeart/2005/8/layout/hProcess11"/>
+    <dgm:cxn modelId="{124C4BCC-C7BA-4AB4-8A14-0E4CA7EA1C6C}" type="presParOf" srcId="{21700E40-A706-4D7B-A46D-E5D912D76747}" destId="{4DCC6A91-CAD6-4D9D-8622-75ABDFA9887E}" srcOrd="1" destOrd="0" presId="urn:microsoft.com/office/officeart/2005/8/layout/hProcess11"/>
+    <dgm:cxn modelId="{07831C14-3D96-41CD-9833-7DD961C00360}" type="presParOf" srcId="{21700E40-A706-4D7B-A46D-E5D912D76747}" destId="{3754BDA9-215E-488D-99F3-5CFB34A24CA1}" srcOrd="2" destOrd="0" presId="urn:microsoft.com/office/officeart/2005/8/layout/hProcess11"/>
+    <dgm:cxn modelId="{FE247269-54E9-4240-BFE5-BF09FAF9551A}" type="presParOf" srcId="{3754BDA9-215E-488D-99F3-5CFB34A24CA1}" destId="{6A021ABB-6B55-4FE2-918F-ACEA15BEAC1B}" srcOrd="0" destOrd="0" presId="urn:microsoft.com/office/officeart/2005/8/layout/hProcess11"/>
+    <dgm:cxn modelId="{B07FDDF4-7357-452C-B6A0-C1AE4A7DA2C2}" type="presParOf" srcId="{3754BDA9-215E-488D-99F3-5CFB34A24CA1}" destId="{1769B213-BE05-451A-B862-A93EFA2CA7CC}" srcOrd="1" destOrd="0" presId="urn:microsoft.com/office/officeart/2005/8/layout/hProcess11"/>
+    <dgm:cxn modelId="{D1ACB0E8-5F10-48E3-BC07-F80DAD17C9E2}" type="presParOf" srcId="{3754BDA9-215E-488D-99F3-5CFB34A24CA1}" destId="{C479A355-96D4-42D0-8395-4E9C3E8476B5}" srcOrd="2" destOrd="0" presId="urn:microsoft.com/office/officeart/2005/8/layout/hProcess11"/>
+    <dgm:cxn modelId="{26321C12-535D-405D-984A-E2F28E936D53}" type="presParOf" srcId="{21700E40-A706-4D7B-A46D-E5D912D76747}" destId="{CB097120-80CA-478B-AF8B-1557BB163F8C}" srcOrd="3" destOrd="0" presId="urn:microsoft.com/office/officeart/2005/8/layout/hProcess11"/>
+    <dgm:cxn modelId="{2F4CF4D4-EE0A-45CA-9C25-AD8C7DB83E4C}" type="presParOf" srcId="{21700E40-A706-4D7B-A46D-E5D912D76747}" destId="{3B18F246-10F9-4012-A6BE-A0BFB0DE1FB5}" srcOrd="4" destOrd="0" presId="urn:microsoft.com/office/officeart/2005/8/layout/hProcess11"/>
+    <dgm:cxn modelId="{0CACA001-49CC-4ED1-8A8F-342A615FF205}" type="presParOf" srcId="{3B18F246-10F9-4012-A6BE-A0BFB0DE1FB5}" destId="{EB056D47-7B05-41F3-87BD-73F44042913B}" srcOrd="0" destOrd="0" presId="urn:microsoft.com/office/officeart/2005/8/layout/hProcess11"/>
+    <dgm:cxn modelId="{66C1D0BC-DE4C-47F8-B7C4-F290BF72C5F5}" type="presParOf" srcId="{3B18F246-10F9-4012-A6BE-A0BFB0DE1FB5}" destId="{C2863088-9683-4E42-8644-641FEEEEDAFB}" srcOrd="1" destOrd="0" presId="urn:microsoft.com/office/officeart/2005/8/layout/hProcess11"/>
+    <dgm:cxn modelId="{A05728E1-58AE-405C-AE63-01E51342125D}" type="presParOf" srcId="{3B18F246-10F9-4012-A6BE-A0BFB0DE1FB5}" destId="{375B2008-8BD5-4D4A-B9EC-AD9338F6AEDF}" srcOrd="2" destOrd="0" presId="urn:microsoft.com/office/officeart/2005/8/layout/hProcess11"/>
+    <dgm:cxn modelId="{388CB4F0-7732-410B-9FD4-6F7BF49F8057}" type="presParOf" srcId="{21700E40-A706-4D7B-A46D-E5D912D76747}" destId="{F1C0BCA9-A8C9-41E3-923C-C38C3EA4B0BB}" srcOrd="5" destOrd="0" presId="urn:microsoft.com/office/officeart/2005/8/layout/hProcess11"/>
+    <dgm:cxn modelId="{3CDD224E-42D4-48E7-A0A6-D34D0C1738A9}" type="presParOf" srcId="{21700E40-A706-4D7B-A46D-E5D912D76747}" destId="{C4BC453D-68C0-4548-8FD1-1AF71144983A}" srcOrd="6" destOrd="0" presId="urn:microsoft.com/office/officeart/2005/8/layout/hProcess11"/>
+    <dgm:cxn modelId="{E789FA55-C255-4207-9547-3BB164F5685E}" type="presParOf" srcId="{C4BC453D-68C0-4548-8FD1-1AF71144983A}" destId="{4DEF024D-74BC-4AB1-B5D3-45475D036882}" srcOrd="0" destOrd="0" presId="urn:microsoft.com/office/officeart/2005/8/layout/hProcess11"/>
+    <dgm:cxn modelId="{CEC915C2-D59D-4A8D-B9B0-5D2534E6DB10}" type="presParOf" srcId="{C4BC453D-68C0-4548-8FD1-1AF71144983A}" destId="{9F1507A5-4DCD-4143-B1D5-A884FB82AA6E}" srcOrd="1" destOrd="0" presId="urn:microsoft.com/office/officeart/2005/8/layout/hProcess11"/>
+    <dgm:cxn modelId="{94338878-43E2-4012-8E9D-CC4A47E8716F}" type="presParOf" srcId="{C4BC453D-68C0-4548-8FD1-1AF71144983A}" destId="{BF5D09CB-EC92-4138-9FAE-013C65970119}" srcOrd="2" destOrd="0" presId="urn:microsoft.com/office/officeart/2005/8/layout/hProcess11"/>
+  </dgm:cxnLst>
+  <dgm:bg/>
+  <dgm:whole/>
+  <dgm:extLst>
+    <a:ext uri="http://schemas.microsoft.com/office/drawing/2008/diagram">
+      <dsp:dataModelExt xmlns:dsp="http://schemas.microsoft.com/office/drawing/2008/diagram" relId="rId6" minVer="http://schemas.openxmlformats.org/drawingml/2006/diagram"/>
+    </a:ext>
+  </dgm:extLst>
+</dgm:dataModel>
+</file>
+
+<file path=ppt/diagrams/drawing1.xml><?xml version="1.0" encoding="utf-8"?>
+<dsp:drawing xmlns:dgm="http://schemas.openxmlformats.org/drawingml/2006/diagram" xmlns:dsp="http://schemas.microsoft.com/office/drawing/2008/diagram" xmlns:a="http://schemas.openxmlformats.org/drawingml/2006/main">
+  <dsp:spTree>
+    <dsp:nvGrpSpPr>
+      <dsp:cNvPr id="0" name=""/>
+      <dsp:cNvGrpSpPr/>
+    </dsp:nvGrpSpPr>
+    <dsp:grpSpPr/>
+    <dsp:sp modelId="{60F1EA6D-9E6E-4CFF-B97F-9A51C90D1427}">
+      <dsp:nvSpPr>
+        <dsp:cNvPr id="0" name=""/>
+        <dsp:cNvSpPr/>
+      </dsp:nvSpPr>
+      <dsp:spPr>
+        <a:xfrm>
+          <a:off x="0" y="969908"/>
+          <a:ext cx="9873760" cy="1293211"/>
+        </a:xfrm>
+        <a:prstGeom prst="notchedRightArrow">
+          <a:avLst/>
+        </a:prstGeom>
+        <a:solidFill>
+          <a:schemeClr val="accent1">
+            <a:tint val="40000"/>
+            <a:hueOff val="0"/>
+            <a:satOff val="0"/>
+            <a:lumOff val="0"/>
+            <a:alphaOff val="0"/>
+          </a:schemeClr>
+        </a:solidFill>
+        <a:ln>
+          <a:noFill/>
+        </a:ln>
+        <a:effectLst>
+          <a:reflection blurRad="12700" stA="26000" endPos="32000" dist="12700" dir="5400000" sy="-100000" rotWithShape="0"/>
+        </a:effectLst>
+      </dsp:spPr>
+      <dsp:style>
+        <a:lnRef idx="0">
+          <a:scrgbClr r="0" g="0" b="0"/>
+        </a:lnRef>
+        <a:fillRef idx="1">
+          <a:scrgbClr r="0" g="0" b="0"/>
+        </a:fillRef>
+        <a:effectRef idx="2">
+          <a:scrgbClr r="0" g="0" b="0"/>
+        </a:effectRef>
+        <a:fontRef idx="minor"/>
+      </dsp:style>
+    </dsp:sp>
+    <dsp:sp modelId="{EDDC3550-6B26-4800-9AB7-BBF1457A291C}">
+      <dsp:nvSpPr>
+        <dsp:cNvPr id="0" name=""/>
+        <dsp:cNvSpPr/>
+      </dsp:nvSpPr>
+      <dsp:spPr>
+        <a:xfrm>
+          <a:off x="4447" y="0"/>
+          <a:ext cx="2139153" cy="1293211"/>
+        </a:xfrm>
+        <a:prstGeom prst="rect">
+          <a:avLst/>
+        </a:prstGeom>
+        <a:noFill/>
+        <a:ln>
+          <a:noFill/>
+        </a:ln>
+        <a:effectLst/>
+      </dsp:spPr>
+      <dsp:style>
+        <a:lnRef idx="0">
+          <a:scrgbClr r="0" g="0" b="0"/>
+        </a:lnRef>
+        <a:fillRef idx="0">
+          <a:scrgbClr r="0" g="0" b="0"/>
+        </a:fillRef>
+        <a:effectRef idx="0">
+          <a:scrgbClr r="0" g="0" b="0"/>
+        </a:effectRef>
+        <a:fontRef idx="minor"/>
+      </dsp:style>
+      <dsp:txBody>
+        <a:bodyPr spcFirstLastPara="0" vert="horz" wrap="square" lIns="120904" tIns="120904" rIns="120904" bIns="120904" numCol="1" spcCol="1270" anchor="b" anchorCtr="0">
+          <a:noAutofit/>
+        </a:bodyPr>
+        <a:lstStyle/>
+        <a:p>
+          <a:pPr marL="0" lvl="0" indent="0" algn="ctr" defTabSz="755650">
+            <a:lnSpc>
+              <a:spcPct val="90000"/>
+            </a:lnSpc>
+            <a:spcBef>
+              <a:spcPct val="0"/>
+            </a:spcBef>
+            <a:spcAft>
+              <a:spcPct val="35000"/>
+            </a:spcAft>
+            <a:buNone/>
+          </a:pPr>
+          <a:r>
+            <a:rPr lang="en-US" sz="1700" kern="1200"/>
+            <a:t>Picture Upload</a:t>
+          </a:r>
+          <a:endParaRPr lang="en-US" sz="1700" kern="1200"/>
+        </a:p>
+      </dsp:txBody>
+      <dsp:txXfrm>
+        <a:off x="4447" y="0"/>
+        <a:ext cx="2139153" cy="1293211"/>
+      </dsp:txXfrm>
+    </dsp:sp>
+    <dsp:sp modelId="{1E88AF55-A22F-4143-8327-146F29516F63}">
+      <dsp:nvSpPr>
+        <dsp:cNvPr id="0" name=""/>
+        <dsp:cNvSpPr/>
+      </dsp:nvSpPr>
+      <dsp:spPr>
+        <a:xfrm>
+          <a:off x="912373" y="1454863"/>
+          <a:ext cx="323302" cy="323302"/>
+        </a:xfrm>
+        <a:prstGeom prst="ellipse">
+          <a:avLst/>
+        </a:prstGeom>
+        <a:gradFill rotWithShape="0">
+          <a:gsLst>
+            <a:gs pos="0">
+              <a:schemeClr val="accent1">
+                <a:hueOff val="0"/>
+                <a:satOff val="0"/>
+                <a:lumOff val="0"/>
+                <a:alphaOff val="0"/>
+                <a:tint val="96000"/>
+                <a:lumMod val="102000"/>
+              </a:schemeClr>
+            </a:gs>
+            <a:gs pos="100000">
+              <a:schemeClr val="accent1">
+                <a:hueOff val="0"/>
+                <a:satOff val="0"/>
+                <a:lumOff val="0"/>
+                <a:alphaOff val="0"/>
+                <a:shade val="88000"/>
+                <a:lumMod val="94000"/>
+              </a:schemeClr>
+            </a:gs>
+          </a:gsLst>
+          <a:path path="circle">
+            <a:fillToRect l="50000" t="100000" r="100000" b="50000"/>
+          </a:path>
+        </a:gradFill>
+        <a:ln>
+          <a:noFill/>
+        </a:ln>
+        <a:effectLst>
+          <a:outerShdw blurRad="38100" dist="25400" dir="5400000" rotWithShape="0">
+            <a:srgbClr val="000000">
+              <a:alpha val="64000"/>
+            </a:srgbClr>
+          </a:outerShdw>
+        </a:effectLst>
+        <a:scene3d>
+          <a:camera prst="orthographicFront">
+            <a:rot lat="0" lon="0" rev="0"/>
+          </a:camera>
+          <a:lightRig rig="threePt" dir="tl">
+            <a:rot lat="0" lon="0" rev="1200000"/>
+          </a:lightRig>
+        </a:scene3d>
+        <a:sp3d>
+          <a:bevelT w="25400" h="12700"/>
+        </a:sp3d>
+      </dsp:spPr>
+      <dsp:style>
+        <a:lnRef idx="0">
+          <a:scrgbClr r="0" g="0" b="0"/>
+        </a:lnRef>
+        <a:fillRef idx="3">
+          <a:scrgbClr r="0" g="0" b="0"/>
+        </a:fillRef>
+        <a:effectRef idx="3">
+          <a:scrgbClr r="0" g="0" b="0"/>
+        </a:effectRef>
+        <a:fontRef idx="minor">
+          <a:schemeClr val="lt1"/>
+        </a:fontRef>
+      </dsp:style>
+    </dsp:sp>
+    <dsp:sp modelId="{6A021ABB-6B55-4FE2-918F-ACEA15BEAC1B}">
+      <dsp:nvSpPr>
+        <dsp:cNvPr id="0" name=""/>
+        <dsp:cNvSpPr/>
+      </dsp:nvSpPr>
+      <dsp:spPr>
+        <a:xfrm>
+          <a:off x="2250559" y="1939817"/>
+          <a:ext cx="2139153" cy="1293211"/>
+        </a:xfrm>
+        <a:prstGeom prst="rect">
+          <a:avLst/>
+        </a:prstGeom>
+        <a:noFill/>
+        <a:ln>
+          <a:noFill/>
+        </a:ln>
+        <a:effectLst/>
+      </dsp:spPr>
+      <dsp:style>
+        <a:lnRef idx="0">
+          <a:scrgbClr r="0" g="0" b="0"/>
+        </a:lnRef>
+        <a:fillRef idx="0">
+          <a:scrgbClr r="0" g="0" b="0"/>
+        </a:fillRef>
+        <a:effectRef idx="0">
+          <a:scrgbClr r="0" g="0" b="0"/>
+        </a:effectRef>
+        <a:fontRef idx="minor"/>
+      </dsp:style>
+      <dsp:txBody>
+        <a:bodyPr spcFirstLastPara="0" vert="horz" wrap="square" lIns="120904" tIns="120904" rIns="120904" bIns="120904" numCol="1" spcCol="1270" anchor="t" anchorCtr="0">
+          <a:noAutofit/>
+        </a:bodyPr>
+        <a:lstStyle/>
+        <a:p>
+          <a:pPr marL="0" lvl="0" indent="0" algn="ctr" defTabSz="755650">
+            <a:lnSpc>
+              <a:spcPct val="90000"/>
+            </a:lnSpc>
+            <a:spcBef>
+              <a:spcPct val="0"/>
+            </a:spcBef>
+            <a:spcAft>
+              <a:spcPct val="35000"/>
+            </a:spcAft>
+            <a:buNone/>
+          </a:pPr>
+          <a:r>
+            <a:rPr lang="en-US" sz="1700" kern="1200"/>
+            <a:t>Advanced Search</a:t>
+          </a:r>
+          <a:endParaRPr lang="en-US" sz="1700" kern="1200"/>
+        </a:p>
+      </dsp:txBody>
+      <dsp:txXfrm>
+        <a:off x="2250559" y="1939817"/>
+        <a:ext cx="2139153" cy="1293211"/>
+      </dsp:txXfrm>
+    </dsp:sp>
+    <dsp:sp modelId="{1769B213-BE05-451A-B862-A93EFA2CA7CC}">
+      <dsp:nvSpPr>
+        <dsp:cNvPr id="0" name=""/>
+        <dsp:cNvSpPr/>
+      </dsp:nvSpPr>
+      <dsp:spPr>
+        <a:xfrm>
+          <a:off x="3158484" y="1454863"/>
+          <a:ext cx="323302" cy="323302"/>
+        </a:xfrm>
+        <a:prstGeom prst="ellipse">
+          <a:avLst/>
+        </a:prstGeom>
+        <a:gradFill rotWithShape="0">
+          <a:gsLst>
+            <a:gs pos="0">
+              <a:schemeClr val="accent1">
+                <a:hueOff val="0"/>
+                <a:satOff val="0"/>
+                <a:lumOff val="0"/>
+                <a:alphaOff val="0"/>
+                <a:tint val="96000"/>
+                <a:lumMod val="102000"/>
+              </a:schemeClr>
+            </a:gs>
+            <a:gs pos="100000">
+              <a:schemeClr val="accent1">
+                <a:hueOff val="0"/>
+                <a:satOff val="0"/>
+                <a:lumOff val="0"/>
+                <a:alphaOff val="0"/>
+                <a:shade val="88000"/>
+                <a:lumMod val="94000"/>
+              </a:schemeClr>
+            </a:gs>
+          </a:gsLst>
+          <a:path path="circle">
+            <a:fillToRect l="50000" t="100000" r="100000" b="50000"/>
+          </a:path>
+        </a:gradFill>
+        <a:ln>
+          <a:noFill/>
+        </a:ln>
+        <a:effectLst>
+          <a:outerShdw blurRad="38100" dist="25400" dir="5400000" rotWithShape="0">
+            <a:srgbClr val="000000">
+              <a:alpha val="64000"/>
+            </a:srgbClr>
+          </a:outerShdw>
+        </a:effectLst>
+        <a:scene3d>
+          <a:camera prst="orthographicFront">
+            <a:rot lat="0" lon="0" rev="0"/>
+          </a:camera>
+          <a:lightRig rig="threePt" dir="tl">
+            <a:rot lat="0" lon="0" rev="1200000"/>
+          </a:lightRig>
+        </a:scene3d>
+        <a:sp3d>
+          <a:bevelT w="25400" h="12700"/>
+        </a:sp3d>
+      </dsp:spPr>
+      <dsp:style>
+        <a:lnRef idx="0">
+          <a:scrgbClr r="0" g="0" b="0"/>
+        </a:lnRef>
+        <a:fillRef idx="3">
+          <a:scrgbClr r="0" g="0" b="0"/>
+        </a:fillRef>
+        <a:effectRef idx="3">
+          <a:scrgbClr r="0" g="0" b="0"/>
+        </a:effectRef>
+        <a:fontRef idx="minor">
+          <a:schemeClr val="lt1"/>
+        </a:fontRef>
+      </dsp:style>
+    </dsp:sp>
+    <dsp:sp modelId="{EB056D47-7B05-41F3-87BD-73F44042913B}">
+      <dsp:nvSpPr>
+        <dsp:cNvPr id="0" name=""/>
+        <dsp:cNvSpPr/>
+      </dsp:nvSpPr>
+      <dsp:spPr>
+        <a:xfrm>
+          <a:off x="4496670" y="0"/>
+          <a:ext cx="2139153" cy="1293211"/>
+        </a:xfrm>
+        <a:prstGeom prst="rect">
+          <a:avLst/>
+        </a:prstGeom>
+        <a:noFill/>
+        <a:ln>
+          <a:noFill/>
+        </a:ln>
+        <a:effectLst/>
+      </dsp:spPr>
+      <dsp:style>
+        <a:lnRef idx="0">
+          <a:scrgbClr r="0" g="0" b="0"/>
+        </a:lnRef>
+        <a:fillRef idx="0">
+          <a:scrgbClr r="0" g="0" b="0"/>
+        </a:fillRef>
+        <a:effectRef idx="0">
+          <a:scrgbClr r="0" g="0" b="0"/>
+        </a:effectRef>
+        <a:fontRef idx="minor"/>
+      </dsp:style>
+      <dsp:txBody>
+        <a:bodyPr spcFirstLastPara="0" vert="horz" wrap="square" lIns="120904" tIns="120904" rIns="120904" bIns="120904" numCol="1" spcCol="1270" anchor="b" anchorCtr="0">
+          <a:noAutofit/>
+        </a:bodyPr>
+        <a:lstStyle/>
+        <a:p>
+          <a:pPr marL="0" lvl="0" indent="0" algn="ctr" defTabSz="755650">
+            <a:lnSpc>
+              <a:spcPct val="90000"/>
+            </a:lnSpc>
+            <a:spcBef>
+              <a:spcPct val="0"/>
+            </a:spcBef>
+            <a:spcAft>
+              <a:spcPct val="35000"/>
+            </a:spcAft>
+            <a:buNone/>
+          </a:pPr>
+          <a:r>
+            <a:rPr lang="en-US" sz="1700" kern="1200" dirty="0"/>
+            <a:t>Following/Followers</a:t>
+          </a:r>
+        </a:p>
+      </dsp:txBody>
+      <dsp:txXfrm>
+        <a:off x="4496670" y="0"/>
+        <a:ext cx="2139153" cy="1293211"/>
+      </dsp:txXfrm>
+    </dsp:sp>
+    <dsp:sp modelId="{C2863088-9683-4E42-8644-641FEEEEDAFB}">
+      <dsp:nvSpPr>
+        <dsp:cNvPr id="0" name=""/>
+        <dsp:cNvSpPr/>
+      </dsp:nvSpPr>
+      <dsp:spPr>
+        <a:xfrm>
+          <a:off x="5404596" y="1454863"/>
+          <a:ext cx="323302" cy="323302"/>
+        </a:xfrm>
+        <a:prstGeom prst="ellipse">
+          <a:avLst/>
+        </a:prstGeom>
+        <a:gradFill rotWithShape="0">
+          <a:gsLst>
+            <a:gs pos="0">
+              <a:schemeClr val="accent1">
+                <a:hueOff val="0"/>
+                <a:satOff val="0"/>
+                <a:lumOff val="0"/>
+                <a:alphaOff val="0"/>
+                <a:tint val="96000"/>
+                <a:lumMod val="102000"/>
+              </a:schemeClr>
+            </a:gs>
+            <a:gs pos="100000">
+              <a:schemeClr val="accent1">
+                <a:hueOff val="0"/>
+                <a:satOff val="0"/>
+                <a:lumOff val="0"/>
+                <a:alphaOff val="0"/>
+                <a:shade val="88000"/>
+                <a:lumMod val="94000"/>
+              </a:schemeClr>
+            </a:gs>
+          </a:gsLst>
+          <a:path path="circle">
+            <a:fillToRect l="50000" t="100000" r="100000" b="50000"/>
+          </a:path>
+        </a:gradFill>
+        <a:ln>
+          <a:noFill/>
+        </a:ln>
+        <a:effectLst>
+          <a:outerShdw blurRad="38100" dist="25400" dir="5400000" rotWithShape="0">
+            <a:srgbClr val="000000">
+              <a:alpha val="64000"/>
+            </a:srgbClr>
+          </a:outerShdw>
+        </a:effectLst>
+        <a:scene3d>
+          <a:camera prst="orthographicFront">
+            <a:rot lat="0" lon="0" rev="0"/>
+          </a:camera>
+          <a:lightRig rig="threePt" dir="tl">
+            <a:rot lat="0" lon="0" rev="1200000"/>
+          </a:lightRig>
+        </a:scene3d>
+        <a:sp3d>
+          <a:bevelT w="25400" h="12700"/>
+        </a:sp3d>
+      </dsp:spPr>
+      <dsp:style>
+        <a:lnRef idx="0">
+          <a:scrgbClr r="0" g="0" b="0"/>
+        </a:lnRef>
+        <a:fillRef idx="3">
+          <a:scrgbClr r="0" g="0" b="0"/>
+        </a:fillRef>
+        <a:effectRef idx="3">
+          <a:scrgbClr r="0" g="0" b="0"/>
+        </a:effectRef>
+        <a:fontRef idx="minor">
+          <a:schemeClr val="lt1"/>
+        </a:fontRef>
+      </dsp:style>
+    </dsp:sp>
+    <dsp:sp modelId="{4DEF024D-74BC-4AB1-B5D3-45475D036882}">
+      <dsp:nvSpPr>
+        <dsp:cNvPr id="0" name=""/>
+        <dsp:cNvSpPr/>
+      </dsp:nvSpPr>
+      <dsp:spPr>
+        <a:xfrm>
+          <a:off x="6742782" y="1939817"/>
+          <a:ext cx="2139153" cy="1293211"/>
+        </a:xfrm>
+        <a:prstGeom prst="rect">
+          <a:avLst/>
+        </a:prstGeom>
+        <a:noFill/>
+        <a:ln>
+          <a:noFill/>
+        </a:ln>
+        <a:effectLst/>
+      </dsp:spPr>
+      <dsp:style>
+        <a:lnRef idx="0">
+          <a:scrgbClr r="0" g="0" b="0"/>
+        </a:lnRef>
+        <a:fillRef idx="0">
+          <a:scrgbClr r="0" g="0" b="0"/>
+        </a:fillRef>
+        <a:effectRef idx="0">
+          <a:scrgbClr r="0" g="0" b="0"/>
+        </a:effectRef>
+        <a:fontRef idx="minor"/>
+      </dsp:style>
+      <dsp:txBody>
+        <a:bodyPr spcFirstLastPara="0" vert="horz" wrap="square" lIns="120904" tIns="120904" rIns="120904" bIns="120904" numCol="1" spcCol="1270" anchor="t" anchorCtr="0">
+          <a:noAutofit/>
+        </a:bodyPr>
+        <a:lstStyle/>
+        <a:p>
+          <a:pPr marL="0" lvl="0" indent="0" algn="ctr" defTabSz="755650">
+            <a:lnSpc>
+              <a:spcPct val="90000"/>
+            </a:lnSpc>
+            <a:spcBef>
+              <a:spcPct val="0"/>
+            </a:spcBef>
+            <a:spcAft>
+              <a:spcPct val="35000"/>
+            </a:spcAft>
+            <a:buNone/>
+          </a:pPr>
+          <a:r>
+            <a:rPr lang="en-US" sz="1700" kern="1200"/>
+            <a:t>Social Cooking</a:t>
+          </a:r>
+          <a:endParaRPr lang="en-US" sz="1700" kern="1200" dirty="0"/>
+        </a:p>
+      </dsp:txBody>
+      <dsp:txXfrm>
+        <a:off x="6742782" y="1939817"/>
+        <a:ext cx="2139153" cy="1293211"/>
+      </dsp:txXfrm>
+    </dsp:sp>
+    <dsp:sp modelId="{9F1507A5-4DCD-4143-B1D5-A884FB82AA6E}">
+      <dsp:nvSpPr>
+        <dsp:cNvPr id="0" name=""/>
+        <dsp:cNvSpPr/>
+      </dsp:nvSpPr>
+      <dsp:spPr>
+        <a:xfrm>
+          <a:off x="7650708" y="1454863"/>
+          <a:ext cx="323302" cy="323302"/>
+        </a:xfrm>
+        <a:prstGeom prst="ellipse">
+          <a:avLst/>
+        </a:prstGeom>
+        <a:gradFill rotWithShape="0">
+          <a:gsLst>
+            <a:gs pos="0">
+              <a:schemeClr val="accent1">
+                <a:hueOff val="0"/>
+                <a:satOff val="0"/>
+                <a:lumOff val="0"/>
+                <a:alphaOff val="0"/>
+                <a:tint val="96000"/>
+                <a:lumMod val="102000"/>
+              </a:schemeClr>
+            </a:gs>
+            <a:gs pos="100000">
+              <a:schemeClr val="accent1">
+                <a:hueOff val="0"/>
+                <a:satOff val="0"/>
+                <a:lumOff val="0"/>
+                <a:alphaOff val="0"/>
+                <a:shade val="88000"/>
+                <a:lumMod val="94000"/>
+              </a:schemeClr>
+            </a:gs>
+          </a:gsLst>
+          <a:path path="circle">
+            <a:fillToRect l="50000" t="100000" r="100000" b="50000"/>
+          </a:path>
+        </a:gradFill>
+        <a:ln>
+          <a:noFill/>
+        </a:ln>
+        <a:effectLst>
+          <a:outerShdw blurRad="38100" dist="25400" dir="5400000" rotWithShape="0">
+            <a:srgbClr val="000000">
+              <a:alpha val="64000"/>
+            </a:srgbClr>
+          </a:outerShdw>
+        </a:effectLst>
+        <a:scene3d>
+          <a:camera prst="orthographicFront">
+            <a:rot lat="0" lon="0" rev="0"/>
+          </a:camera>
+          <a:lightRig rig="threePt" dir="tl">
+            <a:rot lat="0" lon="0" rev="1200000"/>
+          </a:lightRig>
+        </a:scene3d>
+        <a:sp3d>
+          <a:bevelT w="25400" h="12700"/>
+        </a:sp3d>
+      </dsp:spPr>
+      <dsp:style>
+        <a:lnRef idx="0">
+          <a:scrgbClr r="0" g="0" b="0"/>
+        </a:lnRef>
+        <a:fillRef idx="3">
+          <a:scrgbClr r="0" g="0" b="0"/>
+        </a:fillRef>
+        <a:effectRef idx="3">
+          <a:scrgbClr r="0" g="0" b="0"/>
+        </a:effectRef>
+        <a:fontRef idx="minor">
+          <a:schemeClr val="lt1"/>
+        </a:fontRef>
+      </dsp:style>
+    </dsp:sp>
+  </dsp:spTree>
+</dsp:drawing>
+</file>
+
+<file path=ppt/diagrams/layout1.xml><?xml version="1.0" encoding="utf-8"?>
+<dgm:layoutDef xmlns:dgm="http://schemas.openxmlformats.org/drawingml/2006/diagram" xmlns:a="http://schemas.openxmlformats.org/drawingml/2006/main" uniqueId="urn:microsoft.com/office/officeart/2005/8/layout/hProcess11">
+  <dgm:title val=""/>
+  <dgm:desc val=""/>
+  <dgm:catLst>
+    <dgm:cat type="process" pri="8000"/>
+    <dgm:cat type="convert" pri="14000"/>
+  </dgm:catLst>
+  <dgm:sampData useDef="1">
+    <dgm:dataModel>
+      <dgm:ptLst/>
+      <dgm:bg/>
+      <dgm:whole/>
+    </dgm:dataModel>
+  </dgm:sampData>
+  <dgm:styleData>
+    <dgm:dataModel>
+      <dgm:ptLst>
+        <dgm:pt modelId="0" type="doc"/>
+        <dgm:pt modelId="1"/>
+        <dgm:pt modelId="2"/>
+      </dgm:ptLst>
+      <dgm:cxnLst>
+        <dgm:cxn modelId="4" srcId="0" destId="1" srcOrd="0" destOrd="0"/>
+        <dgm:cxn modelId="5" srcId="0" destId="2" srcOrd="1" destOrd="0"/>
+      </dgm:cxnLst>
+      <dgm:bg/>
+      <dgm:whole/>
+    </dgm:dataModel>
+  </dgm:styleData>
+  <dgm:clrData>
+    <dgm:dataModel>
+      <dgm:ptLst>
+        <dgm:pt modelId="0" type="doc"/>
+        <dgm:pt modelId="1"/>
+        <dgm:pt modelId="2"/>
+        <dgm:pt modelId="3"/>
+        <dgm:pt modelId="4"/>
+      </dgm:ptLst>
+      <dgm:cxnLst>
+        <dgm:cxn modelId="5" srcId="0" destId="1" srcOrd="0" destOrd="0"/>
+        <dgm:cxn modelId="6" srcId="0" destId="2" srcOrd="1" destOrd="0"/>
+        <dgm:cxn modelId="7" srcId="0" destId="3" srcOrd="2" destOrd="0"/>
+        <dgm:cxn modelId="8" srcId="0" destId="4" srcOrd="3" destOrd="0"/>
+      </dgm:cxnLst>
+      <dgm:bg/>
+      <dgm:whole/>
+    </dgm:dataModel>
+  </dgm:clrData>
+  <dgm:layoutNode name="Name0">
+    <dgm:varLst>
+      <dgm:dir/>
+      <dgm:resizeHandles val="exact"/>
+    </dgm:varLst>
+    <dgm:alg type="composite"/>
+    <dgm:shape xmlns:r="http://schemas.openxmlformats.org/officeDocument/2006/relationships" r:blip="">
+      <dgm:adjLst/>
+    </dgm:shape>
+    <dgm:presOf/>
+    <dgm:choose name="Name1">
+      <dgm:if name="Name2" func="var" arg="dir" op="equ" val="norm">
+        <dgm:constrLst>
+          <dgm:constr type="w" for="ch" forName="arrow" refType="w"/>
+          <dgm:constr type="h" for="ch" forName="arrow" refType="h" fact="0.4"/>
+          <dgm:constr type="ctrY" for="ch" forName="arrow" refType="h" fact="0.5"/>
+          <dgm:constr type="l" for="ch" forName="arrow"/>
+          <dgm:constr type="w" for="ch" forName="points" refType="w" fact="0.9"/>
+          <dgm:constr type="h" for="ch" forName="points" refType="h"/>
+          <dgm:constr type="t" for="ch" forName="points"/>
+          <dgm:constr type="l" for="ch" forName="points"/>
+        </dgm:constrLst>
+      </dgm:if>
+      <dgm:else name="Name3">
+        <dgm:constrLst>
+          <dgm:constr type="w" for="ch" forName="arrow" refType="w"/>
+          <dgm:constr type="h" for="ch" forName="arrow" refType="h" fact="0.4"/>
+          <dgm:constr type="ctrY" for="ch" forName="arrow" refType="h" fact="0.5"/>
+          <dgm:constr type="r" for="ch" forName="arrow" refType="w"/>
+          <dgm:constr type="w" for="ch" forName="points" refType="w" fact="0.9"/>
+          <dgm:constr type="h" for="ch" forName="points" refType="h"/>
+          <dgm:constr type="t" for="ch" forName="points"/>
+          <dgm:constr type="r" for="ch" forName="points" refType="w"/>
+        </dgm:constrLst>
+      </dgm:else>
+    </dgm:choose>
+    <dgm:ruleLst/>
+    <dgm:layoutNode name="arrow" styleLbl="bgShp">
+      <dgm:alg type="sp"/>
+      <dgm:choose name="Name4">
+        <dgm:if name="Name5" func="var" arg="dir" op="equ" val="norm">
+          <dgm:shape xmlns:r="http://schemas.openxmlformats.org/officeDocument/2006/relationships" type="notchedRightArrow" r:blip="">
+            <dgm:adjLst/>
+          </dgm:shape>
+        </dgm:if>
+        <dgm:else name="Name6">
+          <dgm:shape xmlns:r="http://schemas.openxmlformats.org/officeDocument/2006/relationships" rot="180" type="notchedRightArrow" r:blip="">
+            <dgm:adjLst/>
+          </dgm:shape>
+        </dgm:else>
+      </dgm:choose>
+      <dgm:presOf/>
+      <dgm:constrLst/>
+      <dgm:ruleLst/>
+    </dgm:layoutNode>
+    <dgm:layoutNode name="points">
+      <dgm:choose name="Name7">
+        <dgm:if name="Name8" func="var" arg="dir" op="equ" val="norm">
+          <dgm:alg type="lin">
+            <dgm:param type="linDir" val="fromL"/>
+          </dgm:alg>
+        </dgm:if>
+        <dgm:else name="Name9">
+          <dgm:alg type="lin">
+            <dgm:param type="linDir" val="fromR"/>
+          </dgm:alg>
+        </dgm:else>
+      </dgm:choose>
+      <dgm:shape xmlns:r="http://schemas.openxmlformats.org/officeDocument/2006/relationships" r:blip="">
+        <dgm:adjLst/>
+      </dgm:shape>
+      <dgm:presOf/>
+      <dgm:constrLst>
+        <dgm:constr type="w" for="ch" forName="compositeA" refType="w"/>
+        <dgm:constr type="h" for="ch" forName="compositeA" refType="h"/>
+        <dgm:constr type="w" for="ch" forName="compositeB" refType="w" refFor="ch" refForName="compositeA" op="equ"/>
+        <dgm:constr type="h" for="ch" forName="compositeB" refType="h" refFor="ch" refForName="compositeA" op="equ"/>
+        <dgm:constr type="primFontSz" for="des" ptType="node" op="equ" val="65"/>
+        <dgm:constr type="w" for="ch" forName="space" refType="w" refFor="ch" refForName="compositeA" op="equ" fact="0.05"/>
+      </dgm:constrLst>
+      <dgm:ruleLst/>
+      <dgm:forEach name="Name10" axis="ch" ptType="node">
+        <dgm:choose name="Name11">
+          <dgm:if name="Name12" axis="self" ptType="node" func="posOdd" op="equ" val="1">
+            <dgm:layoutNode name="compositeA">
+              <dgm:alg type="composite"/>
+              <dgm:shape xmlns:r="http://schemas.openxmlformats.org/officeDocument/2006/relationships" r:blip="">
+                <dgm:adjLst/>
+              </dgm:shape>
+              <dgm:presOf/>
+              <dgm:constrLst>
+                <dgm:constr type="w" for="ch" forName="textA" refType="w"/>
+                <dgm:constr type="h" for="ch" forName="textA" refType="h" fact="0.4"/>
+                <dgm:constr type="t" for="ch" forName="textA"/>
+                <dgm:constr type="l" for="ch" forName="textA"/>
+                <dgm:constr type="h" for="ch" forName="circleA" refType="h" fact="0.1"/>
+                <dgm:constr type="h" for="ch" forName="circleA" refType="w" op="lte"/>
+                <dgm:constr type="w" for="ch" forName="circleA" refType="h" refFor="ch" refForName="circleA" op="equ"/>
+                <dgm:constr type="ctrY" for="ch" forName="circleA" refType="h" fact="0.5"/>
+                <dgm:constr type="ctrX" for="ch" forName="circleA" refType="w" refFor="ch" refForName="textA" fact="0.5"/>
+                <dgm:constr type="w" for="ch" forName="spaceA" refType="w"/>
+                <dgm:constr type="h" for="ch" forName="spaceA" refType="h" fact="0.4"/>
+                <dgm:constr type="b" for="ch" forName="spaceA" refType="h"/>
+                <dgm:constr type="l" for="ch" forName="spaceA"/>
+              </dgm:constrLst>
+              <dgm:ruleLst/>
+              <dgm:layoutNode name="textA" styleLbl="revTx">
+                <dgm:varLst>
+                  <dgm:bulletEnabled val="1"/>
+                </dgm:varLst>
+                <dgm:alg type="tx">
+                  <dgm:param type="txAnchorVert" val="b"/>
+                  <dgm:param type="txAnchorVertCh" val="b"/>
+                  <dgm:param type="txAnchorHorzCh" val="ctr"/>
+                </dgm:alg>
+                <dgm:shape xmlns:r="http://schemas.openxmlformats.org/officeDocument/2006/relationships" type="rect" r:blip="">
+                  <dgm:adjLst/>
+                </dgm:shape>
+                <dgm:presOf axis="desOrSelf" ptType="node"/>
+                <dgm:constrLst/>
+                <dgm:ruleLst>
+                  <dgm:rule type="primFontSz" val="5" fact="NaN" max="NaN"/>
+                </dgm:ruleLst>
+              </dgm:layoutNode>
+              <dgm:layoutNode name="circleA">
+                <dgm:alg type="sp"/>
+                <dgm:shape xmlns:r="http://schemas.openxmlformats.org/officeDocument/2006/relationships" type="ellipse" r:blip="">
+                  <dgm:adjLst/>
+                </dgm:shape>
+                <dgm:presOf/>
+                <dgm:constrLst/>
+                <dgm:ruleLst/>
+              </dgm:layoutNode>
+              <dgm:layoutNode name="spaceA">
+                <dgm:alg type="sp"/>
+                <dgm:shape xmlns:r="http://schemas.openxmlformats.org/officeDocument/2006/relationships" r:blip="">
+                  <dgm:adjLst/>
+                </dgm:shape>
+                <dgm:presOf/>
+                <dgm:constrLst/>
+                <dgm:ruleLst/>
+              </dgm:layoutNode>
+            </dgm:layoutNode>
+          </dgm:if>
+          <dgm:else name="Name13">
+            <dgm:layoutNode name="compositeB">
+              <dgm:alg type="composite"/>
+              <dgm:shape xmlns:r="http://schemas.openxmlformats.org/officeDocument/2006/relationships" r:blip="">
+                <dgm:adjLst/>
+              </dgm:shape>
+              <dgm:presOf/>
+              <dgm:constrLst>
+                <dgm:constr type="w" for="ch" forName="textB" refType="w"/>
+                <dgm:constr type="h" for="ch" forName="textB" refType="h" fact="0.4"/>
+                <dgm:constr type="b" for="ch" forName="textB" refType="h"/>
+                <dgm:constr type="l" for="ch" forName="textB"/>
+                <dgm:constr type="h" for="ch" forName="circleB" refType="h" fact="0.1"/>
+                <dgm:constr type="w" for="ch" forName="circleB" refType="h" refFor="ch" refForName="circleB" op="equ"/>
+                <dgm:constr type="h" for="ch" forName="circleB" refType="w" op="lte"/>
+                <dgm:constr type="ctrY" for="ch" forName="circleB" refType="h" fact="0.5"/>
+                <dgm:constr type="ctrX" for="ch" forName="circleB" refType="w" refFor="ch" refForName="textB" fact="0.5"/>
+                <dgm:constr type="w" for="ch" forName="spaceB" refType="w"/>
+                <dgm:constr type="h" for="ch" forName="spaceB" refType="h" fact="0.4"/>
+                <dgm:constr type="t" for="ch" forName="spaceB"/>
+                <dgm:constr type="l" for="ch" forName="spaceB"/>
+              </dgm:constrLst>
+              <dgm:ruleLst/>
+              <dgm:layoutNode name="textB" styleLbl="revTx">
+                <dgm:varLst>
+                  <dgm:bulletEnabled val="1"/>
+                </dgm:varLst>
+                <dgm:alg type="tx">
+                  <dgm:param type="txAnchorVert" val="t"/>
+                  <dgm:param type="txAnchorVertCh" val="t"/>
+                  <dgm:param type="txAnchorHorzCh" val="ctr"/>
+                </dgm:alg>
+                <dgm:shape xmlns:r="http://schemas.openxmlformats.org/officeDocument/2006/relationships" type="rect" r:blip="">
+                  <dgm:adjLst/>
+                </dgm:shape>
+                <dgm:presOf axis="desOrSelf" ptType="node"/>
+                <dgm:constrLst/>
+                <dgm:ruleLst>
+                  <dgm:rule type="primFontSz" val="5" fact="NaN" max="NaN"/>
+                </dgm:ruleLst>
+              </dgm:layoutNode>
+              <dgm:layoutNode name="circleB">
+                <dgm:alg type="sp"/>
+                <dgm:shape xmlns:r="http://schemas.openxmlformats.org/officeDocument/2006/relationships" type="ellipse" r:blip="">
+                  <dgm:adjLst/>
+                </dgm:shape>
+                <dgm:presOf/>
+                <dgm:constrLst/>
+                <dgm:ruleLst/>
+              </dgm:layoutNode>
+              <dgm:layoutNode name="spaceB">
+                <dgm:alg type="sp"/>
+                <dgm:shape xmlns:r="http://schemas.openxmlformats.org/officeDocument/2006/relationships" r:blip="">
+                  <dgm:adjLst/>
+                </dgm:shape>
+                <dgm:presOf/>
+                <dgm:constrLst/>
+                <dgm:ruleLst/>
+              </dgm:layoutNode>
+            </dgm:layoutNode>
+          </dgm:else>
+        </dgm:choose>
+        <dgm:forEach name="Name14" axis="followSib" ptType="sibTrans" cnt="1">
+          <dgm:layoutNode name="space">
+            <dgm:alg type="sp"/>
+            <dgm:shape xmlns:r="http://schemas.openxmlformats.org/officeDocument/2006/relationships" r:blip="">
+              <dgm:adjLst/>
+            </dgm:shape>
+            <dgm:presOf/>
+            <dgm:constrLst/>
+            <dgm:ruleLst/>
+          </dgm:layoutNode>
+        </dgm:forEach>
+      </dgm:forEach>
+    </dgm:layoutNode>
+  </dgm:layoutNode>
+</dgm:layoutDef>
+</file>
+
+<file path=ppt/diagrams/quickStyle1.xml><?xml version="1.0" encoding="utf-8"?>
+<dgm:styleDef xmlns:dgm="http://schemas.openxmlformats.org/drawingml/2006/diagram" xmlns:a="http://schemas.openxmlformats.org/drawingml/2006/main" uniqueId="urn:microsoft.com/office/officeart/2005/8/quickstyle/simple5">
+  <dgm:title val=""/>
+  <dgm:desc val=""/>
+  <dgm:catLst>
+    <dgm:cat type="simple" pri="10500"/>
+  </dgm:catLst>
+  <dgm:scene3d>
+    <a:camera prst="orthographicFront"/>
+    <a:lightRig rig="threePt" dir="t"/>
+  </dgm:scene3d>
+  <dgm:styleLbl name="node0">
+    <dgm:scene3d>
+      <a:camera prst="orthographicFront"/>
+      <a:lightRig rig="threePt" dir="t"/>
+    </dgm:scene3d>
+    <dgm:sp3d/>
+    <dgm:txPr/>
+    <dgm:style>
+      <a:lnRef idx="0">
+        <a:scrgbClr r="0" g="0" b="0"/>
+      </a:lnRef>
+      <a:fillRef idx="3">
+        <a:scrgbClr r="0" g="0" b="0"/>
+      </a:fillRef>
+      <a:effectRef idx="3">
+        <a:scrgbClr r="0" g="0" b="0"/>
+      </a:effectRef>
+      <a:fontRef idx="minor">
+        <a:schemeClr val="lt1"/>
+      </a:fontRef>
+    </dgm:style>
+  </dgm:styleLbl>
+  <dgm:styleLbl name="lnNode1">
+    <dgm:scene3d>
+      <a:camera prst="orthographicFront"/>
+      <a:lightRig rig="threePt" dir="t"/>
+    </dgm:scene3d>
+    <dgm:sp3d/>
+    <dgm:txPr/>
+    <dgm:style>
+      <a:lnRef idx="0">
+        <a:scrgbClr r="0" g="0" b="0"/>
+      </a:lnRef>
+      <a:fillRef idx="3">
+        <a:scrgbClr r="0" g="0" b="0"/>
+      </a:fillRef>
+      <a:effectRef idx="3">
+        <a:scrgbClr r="0" g="0" b="0"/>
+      </a:effectRef>
+      <a:fontRef idx="minor">
+        <a:schemeClr val="lt1"/>
+      </a:fontRef>
+    </dgm:style>
+  </dgm:styleLbl>
+  <dgm:styleLbl name="vennNode1">
+    <dgm:scene3d>
+      <a:camera prst="orthographicFront"/>
+      <a:lightRig rig="threePt" dir="t"/>
+    </dgm:scene3d>
+    <dgm:sp3d/>
+    <dgm:txPr/>
+    <dgm:style>
+      <a:lnRef idx="0">
+        <a:scrgbClr r="0" g="0" b="0"/>
+      </a:lnRef>
+      <a:fillRef idx="3">
+        <a:scrgbClr r="0" g="0" b="0"/>
+      </a:fillRef>
+      <a:effectRef idx="3">
+        <a:scrgbClr r="0" g="0" b="0"/>
+      </a:effectRef>
+      <a:fontRef idx="minor">
+        <a:schemeClr val="tx1"/>
+      </a:fontRef>
+    </dgm:style>
+  </dgm:styleLbl>
+  <dgm:styleLbl name="alignNode1">
+    <dgm:scene3d>
+      <a:camera prst="orthographicFront"/>
+      <a:lightRig rig="threePt" dir="t"/>
+    </dgm:scene3d>
+    <dgm:sp3d/>
+    <dgm:txPr/>
+    <dgm:style>
+      <a:lnRef idx="1">
+        <a:scrgbClr r="0" g="0" b="0"/>
+      </a:lnRef>
+      <a:fillRef idx="3">
+        <a:scrgbClr r="0" g="0" b="0"/>
+      </a:fillRef>
+      <a:effectRef idx="3">
+        <a:scrgbClr r="0" g="0" b="0"/>
+      </a:effectRef>
+      <a:fontRef idx="minor">
+        <a:schemeClr val="lt1"/>
+      </a:fontRef>
+    </dgm:style>
+  </dgm:styleLbl>
+  <dgm:styleLbl name="node1">
+    <dgm:scene3d>
+      <a:camera prst="orthographicFront"/>
+      <a:lightRig rig="threePt" dir="t"/>
+    </dgm:scene3d>
+    <dgm:sp3d/>
+    <dgm:txPr/>
+    <dgm:style>
+      <a:lnRef idx="0">
+        <a:scrgbClr r="0" g="0" b="0"/>
+      </a:lnRef>
+      <a:fillRef idx="3">
+        <a:scrgbClr r="0" g="0" b="0"/>
+      </a:fillRef>
+      <a:effectRef idx="3">
+        <a:scrgbClr r="0" g="0" b="0"/>
+      </a:effectRef>
+      <a:fontRef idx="minor">
+        <a:schemeClr val="lt1"/>
+      </a:fontRef>
+    </dgm:style>
+  </dgm:styleLbl>
+  <dgm:styleLbl name="node2">
+    <dgm:scene3d>
+      <a:camera prst="orthographicFront"/>
+      <a:lightRig rig="threePt" dir="t"/>
+    </dgm:scene3d>
+    <dgm:sp3d/>
+    <dgm:txPr/>
+    <dgm:style>
+      <a:lnRef idx="0">
+        <a:scrgbClr r="0" g="0" b="0"/>
+      </a:lnRef>
+      <a:fillRef idx="3">
+        <a:scrgbClr r="0" g="0" b="0"/>
+      </a:fillRef>
+      <a:effectRef idx="3">
+        <a:scrgbClr r="0" g="0" b="0"/>
+      </a:effectRef>
+      <a:fontRef idx="minor">
+        <a:schemeClr val="lt1"/>
+      </a:fontRef>
+    </dgm:style>
+  </dgm:styleLbl>
+  <dgm:styleLbl name="node3">
+    <dgm:scene3d>
+      <a:camera prst="orthographicFront"/>
+      <a:lightRig rig="threePt" dir="t"/>
+    </dgm:scene3d>
+    <dgm:sp3d/>
+    <dgm:txPr/>
+    <dgm:style>
+      <a:lnRef idx="0">
+        <a:scrgbClr r="0" g="0" b="0"/>
+      </a:lnRef>
+      <a:fillRef idx="3">
+        <a:scrgbClr r="0" g="0" b="0"/>
+      </a:fillRef>
+      <a:effectRef idx="3">
+        <a:scrgbClr r="0" g="0" b="0"/>
+      </a:effectRef>
+      <a:fontRef idx="minor">
+        <a:schemeClr val="lt1"/>
+      </a:fontRef>
+    </dgm:style>
+  </dgm:styleLbl>
+  <dgm:styleLbl name="node4">
+    <dgm:scene3d>
+      <a:camera prst="orthographicFront"/>
+      <a:lightRig rig="threePt" dir="t"/>
+    </dgm:scene3d>
+    <dgm:sp3d/>
+    <dgm:txPr/>
+    <dgm:style>
+      <a:lnRef idx="0">
+        <a:scrgbClr r="0" g="0" b="0"/>
+      </a:lnRef>
+      <a:fillRef idx="3">
+        <a:scrgbClr r="0" g="0" b="0"/>
+      </a:fillRef>
+      <a:effectRef idx="3">
+        <a:scrgbClr r="0" g="0" b="0"/>
+      </a:effectRef>
+      <a:fontRef idx="minor">
+        <a:schemeClr val="lt1"/>
+      </a:fontRef>
+    </dgm:style>
+  </dgm:styleLbl>
+  <dgm:styleLbl name="fgImgPlace1">
+    <dgm:scene3d>
+      <a:camera prst="orthographicFront"/>
+      <a:lightRig rig="threePt" dir="t"/>
+    </dgm:scene3d>
+    <dgm:sp3d/>
+    <dgm:txPr/>
+    <dgm:style>
+      <a:lnRef idx="0">
+        <a:scrgbClr r="0" g="0" b="0"/>
+      </a:lnRef>
+      <a:fillRef idx="1">
+        <a:scrgbClr r="0" g="0" b="0"/>
+      </a:fillRef>
+      <a:effectRef idx="3">
+        <a:scrgbClr r="0" g="0" b="0"/>
+      </a:effectRef>
+      <a:fontRef idx="minor"/>
+    </dgm:style>
+  </dgm:styleLbl>
+  <dgm:styleLbl name="alignImgPlace1">
+    <dgm:scene3d>
+      <a:camera prst="orthographicFront"/>
+      <a:lightRig rig="threePt" dir="t"/>
+    </dgm:scene3d>
+    <dgm:sp3d/>
+    <dgm:txPr/>
+    <dgm:style>
+      <a:lnRef idx="0">
+        <a:scrgbClr r="0" g="0" b="0"/>
+      </a:lnRef>
+      <a:fillRef idx="1">
+        <a:scrgbClr r="0" g="0" b="0"/>
+      </a:fillRef>
+      <a:effectRef idx="3">
+        <a:scrgbClr r="0" g="0" b="0"/>
+      </a:effectRef>
+      <a:fontRef idx="minor"/>
+    </dgm:style>
+  </dgm:styleLbl>
+  <dgm:styleLbl name="bgImgPlace1">
+    <dgm:scene3d>
+      <a:camera prst="orthographicFront"/>
+      <a:lightRig rig="threePt" dir="t"/>
+    </dgm:scene3d>
+    <dgm:sp3d/>
+    <dgm:txPr/>
+    <dgm:style>
+      <a:lnRef idx="0">
+        <a:scrgbClr r="0" g="0" b="0"/>
+      </a:lnRef>
+      <a:fillRef idx="1">
+        <a:scrgbClr r="0" g="0" b="0"/>
+      </a:fillRef>
+      <a:effectRef idx="3">
+        <a:scrgbClr r="0" g="0" b="0"/>
+      </a:effectRef>
+      <a:fontRef idx="minor"/>
+    </dgm:style>
+  </dgm:styleLbl>
+  <dgm:styleLbl name="sibTrans2D1">
+    <dgm:scene3d>
+      <a:camera prst="orthographicFront"/>
+      <a:lightRig rig="threePt" dir="t"/>
+    </dgm:scene3d>
+    <dgm:sp3d/>
+    <dgm:txPr/>
+    <dgm:style>
+      <a:lnRef idx="0">
+        <a:scrgbClr r="0" g="0" b="0"/>
+      </a:lnRef>
+      <a:fillRef idx="3">
+        <a:scrgbClr r="0" g="0" b="0"/>
+      </a:fillRef>
+      <a:effectRef idx="3">
+        <a:scrgbClr r="0" g="0" b="0"/>
+      </a:effectRef>
+      <a:fontRef idx="minor">
+        <a:schemeClr val="lt1"/>
+      </a:fontRef>
+    </dgm:style>
+  </dgm:styleLbl>
+  <dgm:styleLbl name="fgSibTrans2D1">
+    <dgm:scene3d>
+      <a:camera prst="orthographicFront"/>
+      <a:lightRig rig="threePt" dir="t"/>
+    </dgm:scene3d>
+    <dgm:sp3d/>
+    <dgm:txPr/>
+    <dgm:style>
+      <a:lnRef idx="0">
+        <a:scrgbClr r="0" g="0" b="0"/>
+      </a:lnRef>
+      <a:fillRef idx="3">
+        <a:scrgbClr r="0" g="0" b="0"/>
+      </a:fillRef>
+      <a:effectRef idx="3">
+        <a:scrgbClr r="0" g="0" b="0"/>
+      </a:effectRef>
+      <a:fontRef idx="minor">
+        <a:schemeClr val="lt1"/>
+      </a:fontRef>
+    </dgm:style>
+  </dgm:styleLbl>
+  <dgm:styleLbl name="bgSibTrans2D1">
+    <dgm:scene3d>
+      <a:camera prst="orthographicFront"/>
+      <a:lightRig rig="threePt" dir="t"/>
+    </dgm:scene3d>
+    <dgm:sp3d/>
+    <dgm:txPr/>
+    <dgm:style>
+      <a:lnRef idx="0">
+        <a:scrgbClr r="0" g="0" b="0"/>
+      </a:lnRef>
+      <a:fillRef idx="3">
+        <a:scrgbClr r="0" g="0" b="0"/>
+      </a:fillRef>
+      <a:effectRef idx="3">
+        <a:scrgbClr r="0" g="0" b="0"/>
+      </a:effectRef>
+      <a:fontRef idx="minor">
+        <a:schemeClr val="lt1"/>
+      </a:fontRef>
+    </dgm:style>
+  </dgm:styleLbl>
+  <dgm:styleLbl name="sibTrans1D1">
+    <dgm:scene3d>
+      <a:camera prst="orthographicFront"/>
+      <a:lightRig rig="threePt" dir="t"/>
+    </dgm:scene3d>
+    <dgm:sp3d/>
+    <dgm:txPr/>
+    <dgm:style>
+      <a:lnRef idx="1">
+        <a:scrgbClr r="0" g="0" b="0"/>
+      </a:lnRef>
+      <a:fillRef idx="0">
+        <a:scrgbClr r="0" g="0" b="0"/>
+      </a:fillRef>
+      <a:effectRef idx="0">
+        <a:scrgbClr r="0" g="0" b="0"/>
+      </a:effectRef>
+      <a:fontRef idx="minor"/>
+    </dgm:style>
+  </dgm:styleLbl>
+  <dgm:styleLbl name="callout">
+    <dgm:scene3d>
+      <a:camera prst="orthographicFront"/>
+      <a:lightRig rig="threePt" dir="t"/>
+    </dgm:scene3d>
+    <dgm:sp3d/>
+    <dgm:txPr/>
+    <dgm:style>
+      <a:lnRef idx="1">
+        <a:scrgbClr r="0" g="0" b="0"/>
+      </a:lnRef>
+      <a:fillRef idx="0">
+        <a:scrgbClr r="0" g="0" b="0"/>
+      </a:fillRef>
+      <a:effectRef idx="1">
+        <a:scrgbClr r="0" g="0" b="0"/>
+      </a:effectRef>
+      <a:fontRef idx="minor"/>
+    </dgm:style>
+  </dgm:styleLbl>
+  <dgm:styleLbl name="asst0">
+    <dgm:scene3d>
+      <a:camera prst="orthographicFront"/>
+      <a:lightRig rig="threePt" dir="t"/>
+    </dgm:scene3d>
+    <dgm:sp3d/>
+    <dgm:txPr/>
+    <dgm:style>
+      <a:lnRef idx="0">
+        <a:scrgbClr r="0" g="0" b="0"/>
+      </a:lnRef>
+      <a:fillRef idx="3">
+        <a:scrgbClr r="0" g="0" b="0"/>
+      </a:fillRef>
+      <a:effectRef idx="3">
+        <a:scrgbClr r="0" g="0" b="0"/>
+      </a:effectRef>
+      <a:fontRef idx="minor">
+        <a:schemeClr val="lt1"/>
+      </a:fontRef>
+    </dgm:style>
+  </dgm:styleLbl>
+  <dgm:styleLbl name="asst1">
+    <dgm:scene3d>
+      <a:camera prst="orthographicFront"/>
+      <a:lightRig rig="threePt" dir="t"/>
+    </dgm:scene3d>
+    <dgm:sp3d/>
+    <dgm:txPr/>
+    <dgm:style>
+      <a:lnRef idx="0">
+        <a:scrgbClr r="0" g="0" b="0"/>
+      </a:lnRef>
+      <a:fillRef idx="3">
+        <a:scrgbClr r="0" g="0" b="0"/>
+      </a:fillRef>
+      <a:effectRef idx="3">
+        <a:scrgbClr r="0" g="0" b="0"/>
+      </a:effectRef>
+      <a:fontRef idx="minor">
+        <a:schemeClr val="lt1"/>
+      </a:fontRef>
+    </dgm:style>
+  </dgm:styleLbl>
+  <dgm:styleLbl name="asst2">
+    <dgm:scene3d>
+      <a:camera prst="orthographicFront"/>
+      <a:lightRig rig="threePt" dir="t"/>
+    </dgm:scene3d>
+    <dgm:sp3d/>
+    <dgm:txPr/>
+    <dgm:style>
+      <a:lnRef idx="0">
+        <a:scrgbClr r="0" g="0" b="0"/>
+      </a:lnRef>
+      <a:fillRef idx="3">
+        <a:scrgbClr r="0" g="0" b="0"/>
+      </a:fillRef>
+      <a:effectRef idx="3">
+        <a:scrgbClr r="0" g="0" b="0"/>
+      </a:effectRef>
+      <a:fontRef idx="minor">
+        <a:schemeClr val="lt1"/>
+      </a:fontRef>
+    </dgm:style>
+  </dgm:styleLbl>
+  <dgm:styleLbl name="asst3">
+    <dgm:scene3d>
+      <a:camera prst="orthographicFront"/>
+      <a:lightRig rig="threePt" dir="t"/>
+    </dgm:scene3d>
+    <dgm:sp3d/>
+    <dgm:txPr/>
+    <dgm:style>
+      <a:lnRef idx="0">
+        <a:scrgbClr r="0" g="0" b="0"/>
+      </a:lnRef>
+      <a:fillRef idx="3">
+        <a:scrgbClr r="0" g="0" b="0"/>
+      </a:fillRef>
+      <a:effectRef idx="3">
+        <a:scrgbClr r="0" g="0" b="0"/>
+      </a:effectRef>
+      <a:fontRef idx="minor">
+        <a:schemeClr val="lt1"/>
+      </a:fontRef>
+    </dgm:style>
+  </dgm:styleLbl>
+  <dgm:styleLbl name="asst4">
+    <dgm:scene3d>
+      <a:camera prst="orthographicFront"/>
+      <a:lightRig rig="threePt" dir="t"/>
+    </dgm:scene3d>
+    <dgm:sp3d/>
+    <dgm:txPr/>
+    <dgm:style>
+      <a:lnRef idx="0">
+        <a:scrgbClr r="0" g="0" b="0"/>
+      </a:lnRef>
+      <a:fillRef idx="3">
+        <a:scrgbClr r="0" g="0" b="0"/>
+      </a:fillRef>
+      <a:effectRef idx="3">
+        <a:scrgbClr r="0" g="0" b="0"/>
+      </a:effectRef>
+      <a:fontRef idx="minor">
+        <a:schemeClr val="lt1"/>
+      </a:fontRef>
+    </dgm:style>
+  </dgm:styleLbl>
+  <dgm:styleLbl name="parChTrans2D1">
+    <dgm:scene3d>
+      <a:camera prst="orthographicFront"/>
+      <a:lightRig rig="threePt" dir="t"/>
+    </dgm:scene3d>
+    <dgm:sp3d/>
+    <dgm:txPr/>
+    <dgm:style>
+      <a:lnRef idx="0">
+        <a:scrgbClr r="0" g="0" b="0"/>
+      </a:lnRef>
+      <a:fillRef idx="3">
+        <a:scrgbClr r="0" g="0" b="0"/>
+      </a:fillRef>
+      <a:effectRef idx="3">
+        <a:scrgbClr r="0" g="0" b="0"/>
+      </a:effectRef>
+      <a:fontRef idx="minor">
+        <a:schemeClr val="lt1"/>
+      </a:fontRef>
+    </dgm:style>
+  </dgm:styleLbl>
+  <dgm:styleLbl name="parChTrans2D2">
+    <dgm:scene3d>
+      <a:camera prst="orthographicFront"/>
+      <a:lightRig rig="threePt" dir="t"/>
+    </dgm:scene3d>
+    <dgm:sp3d/>
+    <dgm:txPr/>
+    <dgm:style>
+      <a:lnRef idx="0">
+        <a:scrgbClr r="0" g="0" b="0"/>
+      </a:lnRef>
+      <a:fillRef idx="3">
+        <a:scrgbClr r="0" g="0" b="0"/>
+      </a:fillRef>
+      <a:effectRef idx="3">
+        <a:scrgbClr r="0" g="0" b="0"/>
+      </a:effectRef>
+      <a:fontRef idx="minor">
+        <a:schemeClr val="lt1"/>
+      </a:fontRef>
+    </dgm:style>
+  </dgm:styleLbl>
+  <dgm:styleLbl name="parChTrans2D3">
+    <dgm:scene3d>
+      <a:camera prst="orthographicFront"/>
+      <a:lightRig rig="threePt" dir="t"/>
+    </dgm:scene3d>
+    <dgm:sp3d/>
+    <dgm:txPr/>
+    <dgm:style>
+      <a:lnRef idx="0">
+        <a:scrgbClr r="0" g="0" b="0"/>
+      </a:lnRef>
+      <a:fillRef idx="3">
+        <a:scrgbClr r="0" g="0" b="0"/>
+      </a:fillRef>
+      <a:effectRef idx="3">
+        <a:scrgbClr r="0" g="0" b="0"/>
+      </a:effectRef>
+      <a:fontRef idx="minor">
+        <a:schemeClr val="lt1"/>
+      </a:fontRef>
+    </dgm:style>
+  </dgm:styleLbl>
+  <dgm:styleLbl name="parChTrans2D4">
+    <dgm:scene3d>
+      <a:camera prst="orthographicFront"/>
+      <a:lightRig rig="threePt" dir="t"/>
+    </dgm:scene3d>
+    <dgm:sp3d/>
+    <dgm:txPr/>
+    <dgm:style>
+      <a:lnRef idx="0">
+        <a:scrgbClr r="0" g="0" b="0"/>
+      </a:lnRef>
+      <a:fillRef idx="3">
+        <a:scrgbClr r="0" g="0" b="0"/>
+      </a:fillRef>
+      <a:effectRef idx="3">
+        <a:scrgbClr r="0" g="0" b="0"/>
+      </a:effectRef>
+      <a:fontRef idx="minor">
+        <a:schemeClr val="lt1"/>
+      </a:fontRef>
+    </dgm:style>
+  </dgm:styleLbl>
+  <dgm:styleLbl name="parChTrans1D1">
+    <dgm:scene3d>
+      <a:camera prst="orthographicFront"/>
+      <a:lightRig rig="threePt" dir="t"/>
+    </dgm:scene3d>
+    <dgm:sp3d/>
+    <dgm:txPr/>
+    <dgm:style>
+      <a:lnRef idx="2">
+        <a:scrgbClr r="0" g="0" b="0"/>
+      </a:lnRef>
+      <a:fillRef idx="0">
+        <a:scrgbClr r="0" g="0" b="0"/>
+      </a:fillRef>
+      <a:effectRef idx="0">
+        <a:scrgbClr r="0" g="0" b="0"/>
+      </a:effectRef>
+      <a:fontRef idx="minor"/>
+    </dgm:style>
+  </dgm:styleLbl>
+  <dgm:styleLbl name="parChTrans1D2">
+    <dgm:scene3d>
+      <a:camera prst="orthographicFront"/>
+      <a:lightRig rig="threePt" dir="t"/>
+    </dgm:scene3d>
+    <dgm:sp3d/>
+    <dgm:txPr/>
+    <dgm:style>
+      <a:lnRef idx="2">
+        <a:scrgbClr r="0" g="0" b="0"/>
+      </a:lnRef>
+      <a:fillRef idx="0">
+        <a:scrgbClr r="0" g="0" b="0"/>
+      </a:fillRef>
+      <a:effectRef idx="0">
+        <a:scrgbClr r="0" g="0" b="0"/>
+      </a:effectRef>
+      <a:fontRef idx="minor"/>
+    </dgm:style>
+  </dgm:styleLbl>
+  <dgm:styleLbl name="parChTrans1D3">
+    <dgm:scene3d>
+      <a:camera prst="orthographicFront"/>
+      <a:lightRig rig="threePt" dir="t"/>
+    </dgm:scene3d>
+    <dgm:sp3d/>
+    <dgm:txPr/>
+    <dgm:style>
+      <a:lnRef idx="2">
+        <a:scrgbClr r="0" g="0" b="0"/>
+      </a:lnRef>
+      <a:fillRef idx="0">
+        <a:scrgbClr r="0" g="0" b="0"/>
+      </a:fillRef>
+      <a:effectRef idx="0">
+        <a:scrgbClr r="0" g="0" b="0"/>
+      </a:effectRef>
+      <a:fontRef idx="minor"/>
+    </dgm:style>
+  </dgm:styleLbl>
+  <dgm:styleLbl name="parChTrans1D4">
+    <dgm:scene3d>
+      <a:camera prst="orthographicFront"/>
+      <a:lightRig rig="threePt" dir="t"/>
+    </dgm:scene3d>
+    <dgm:sp3d/>
+    <dgm:txPr/>
+    <dgm:style>
+      <a:lnRef idx="2">
+        <a:scrgbClr r="0" g="0" b="0"/>
+      </a:lnRef>
+      <a:fillRef idx="0">
+        <a:scrgbClr r="0" g="0" b="0"/>
+      </a:fillRef>
+      <a:effectRef idx="0">
+        <a:scrgbClr r="0" g="0" b="0"/>
+      </a:effectRef>
+      <a:fontRef idx="minor"/>
+    </dgm:style>
+  </dgm:styleLbl>
+  <dgm:styleLbl name="fgAcc1">
+    <dgm:scene3d>
+      <a:camera prst="orthographicFront"/>
+      <a:lightRig rig="threePt" dir="t"/>
+    </dgm:scene3d>
+    <dgm:sp3d/>
+    <dgm:txPr/>
+    <dgm:style>
+      <a:lnRef idx="1">
+        <a:scrgbClr r="0" g="0" b="0"/>
+      </a:lnRef>
+      <a:fillRef idx="1">
+        <a:scrgbClr r="0" g="0" b="0"/>
+      </a:fillRef>
+      <a:effectRef idx="2">
+        <a:scrgbClr r="0" g="0" b="0"/>
+      </a:effectRef>
+      <a:fontRef idx="minor"/>
+    </dgm:style>
+  </dgm:styleLbl>
+  <dgm:styleLbl name="conFgAcc1">
+    <dgm:scene3d>
+      <a:camera prst="orthographicFront"/>
+      <a:lightRig rig="threePt" dir="t"/>
+    </dgm:scene3d>
+    <dgm:sp3d/>
+    <dgm:txPr/>
+    <dgm:style>
+      <a:lnRef idx="1">
+        <a:scrgbClr r="0" g="0" b="0"/>
+      </a:lnRef>
+      <a:fillRef idx="1">
+        <a:scrgbClr r="0" g="0" b="0"/>
+      </a:fillRef>
+      <a:effectRef idx="2">
+        <a:scrgbClr r="0" g="0" b="0"/>
+      </a:effectRef>
+      <a:fontRef idx="minor"/>
+    </dgm:style>
+  </dgm:styleLbl>
+  <dgm:styleLbl name="alignAcc1">
+    <dgm:scene3d>
+      <a:camera prst="orthographicFront"/>
+      <a:lightRig rig="threePt" dir="t"/>
+    </dgm:scene3d>
+    <dgm:sp3d/>
+    <dgm:txPr/>
+    <dgm:style>
+      <a:lnRef idx="1">
+        <a:scrgbClr r="0" g="0" b="0"/>
+      </a:lnRef>
+      <a:fillRef idx="1">
+        <a:scrgbClr r="0" g="0" b="0"/>
+      </a:fillRef>
+      <a:effectRef idx="2">
+        <a:scrgbClr r="0" g="0" b="0"/>
+      </a:effectRef>
+      <a:fontRef idx="minor"/>
+    </dgm:style>
+  </dgm:styleLbl>
+  <dgm:styleLbl name="trAlignAcc1">
+    <dgm:scene3d>
+      <a:camera prst="orthographicFront"/>
+      <a:lightRig rig="threePt" dir="t"/>
+    </dgm:scene3d>
+    <dgm:sp3d/>
+    <dgm:txPr/>
+    <dgm:style>
+      <a:lnRef idx="1">
+        <a:scrgbClr r="0" g="0" b="0"/>
+      </a:lnRef>
+      <a:fillRef idx="1">
+        <a:scrgbClr r="0" g="0" b="0"/>
+      </a:fillRef>
+      <a:effectRef idx="0">
+        <a:scrgbClr r="0" g="0" b="0"/>
+      </a:effectRef>
+      <a:fontRef idx="minor"/>
+    </dgm:style>
+  </dgm:styleLbl>
+  <dgm:styleLbl name="bgAcc1">
+    <dgm:scene3d>
+      <a:camera prst="orthographicFront"/>
+      <a:lightRig rig="threePt" dir="t"/>
+    </dgm:scene3d>
+    <dgm:sp3d/>
+    <dgm:txPr/>
+    <dgm:style>
+      <a:lnRef idx="1">
+        <a:scrgbClr r="0" g="0" b="0"/>
+      </a:lnRef>
+      <a:fillRef idx="1">
+        <a:scrgbClr r="0" g="0" b="0"/>
+      </a:fillRef>
+      <a:effectRef idx="2">
+        <a:scrgbClr r="0" g="0" b="0"/>
+      </a:effectRef>
+      <a:fontRef idx="minor"/>
+    </dgm:style>
+  </dgm:styleLbl>
+  <dgm:styleLbl name="solidFgAcc1">
+    <dgm:scene3d>
+      <a:camera prst="orthographicFront"/>
+      <a:lightRig rig="threePt" dir="t"/>
+    </dgm:scene3d>
+    <dgm:sp3d/>
+    <dgm:txPr/>
+    <dgm:style>
+      <a:lnRef idx="1">
+        <a:scrgbClr r="0" g="0" b="0"/>
+      </a:lnRef>
+      <a:fillRef idx="1">
+        <a:scrgbClr r="0" g="0" b="0"/>
+      </a:fillRef>
+      <a:effectRef idx="2">
+        <a:scrgbClr r="0" g="0" b="0"/>
+      </a:effectRef>
+      <a:fontRef idx="minor"/>
+    </dgm:style>
+  </dgm:styleLbl>
+  <dgm:styleLbl name="solidAlignAcc1">
+    <dgm:scene3d>
+      <a:camera prst="orthographicFront"/>
+      <a:lightRig rig="threePt" dir="t"/>
+    </dgm:scene3d>
+    <dgm:sp3d/>
+    <dgm:txPr/>
+    <dgm:style>
+      <a:lnRef idx="1">
+        <a:scrgbClr r="0" g="0" b="0"/>
+      </a:lnRef>
+      <a:fillRef idx="1">
+        <a:scrgbClr r="0" g="0" b="0"/>
+      </a:fillRef>
+      <a:effectRef idx="3">
+        <a:scrgbClr r="0" g="0" b="0"/>
+      </a:effectRef>
+      <a:fontRef idx="minor"/>
+    </dgm:style>
+  </dgm:styleLbl>
+  <dgm:styleLbl name="solidBgAcc1">
+    <dgm:scene3d>
+      <a:camera prst="orthographicFront"/>
+      <a:lightRig rig="threePt" dir="t"/>
+    </dgm:scene3d>
+    <dgm:sp3d/>
+    <dgm:txPr/>
+    <dgm:style>
+      <a:lnRef idx="1">
+        <a:scrgbClr r="0" g="0" b="0"/>
+      </a:lnRef>
+      <a:fillRef idx="1">
+        <a:scrgbClr r="0" g="0" b="0"/>
+      </a:fillRef>
+      <a:effectRef idx="3">
+        <a:scrgbClr r="0" g="0" b="0"/>
+      </a:effectRef>
+      <a:fontRef idx="minor"/>
+    </dgm:style>
+  </dgm:styleLbl>
+  <dgm:styleLbl name="fgAccFollowNode1">
+    <dgm:scene3d>
+      <a:camera prst="orthographicFront"/>
+      <a:lightRig rig="threePt" dir="t"/>
+    </dgm:scene3d>
+    <dgm:sp3d/>
+    <dgm:txPr/>
+    <dgm:style>
+      <a:lnRef idx="1">
+        <a:scrgbClr r="0" g="0" b="0"/>
+      </a:lnRef>
+      <a:fillRef idx="1">
+        <a:scrgbClr r="0" g="0" b="0"/>
+      </a:fillRef>
+      <a:effectRef idx="2">
+        <a:scrgbClr r="0" g="0" b="0"/>
+      </a:effectRef>
+      <a:fontRef idx="minor"/>
+    </dgm:style>
+  </dgm:styleLbl>
+  <dgm:styleLbl name="alignAccFollowNode1">
+    <dgm:scene3d>
+      <a:camera prst="orthographicFront"/>
+      <a:lightRig rig="threePt" dir="t"/>
+    </dgm:scene3d>
+    <dgm:sp3d/>
+    <dgm:txPr/>
+    <dgm:style>
+      <a:lnRef idx="1">
+        <a:scrgbClr r="0" g="0" b="0"/>
+      </a:lnRef>
+      <a:fillRef idx="1">
+        <a:scrgbClr r="0" g="0" b="0"/>
+      </a:fillRef>
+      <a:effectRef idx="2">
+        <a:scrgbClr r="0" g="0" b="0"/>
+      </a:effectRef>
+      <a:fontRef idx="minor"/>
+    </dgm:style>
+  </dgm:styleLbl>
+  <dgm:styleLbl name="bgAccFollowNode1">
+    <dgm:scene3d>
+      <a:camera prst="orthographicFront"/>
+      <a:lightRig rig="threePt" dir="t"/>
+    </dgm:scene3d>
+    <dgm:sp3d/>
+    <dgm:txPr/>
+    <dgm:style>
+      <a:lnRef idx="1">
+        <a:scrgbClr r="0" g="0" b="0"/>
+      </a:lnRef>
+      <a:fillRef idx="1">
+        <a:scrgbClr r="0" g="0" b="0"/>
+      </a:fillRef>
+      <a:effectRef idx="2">
+        <a:scrgbClr r="0" g="0" b="0"/>
+      </a:effectRef>
+      <a:fontRef idx="minor"/>
+    </dgm:style>
+  </dgm:styleLbl>
+  <dgm:styleLbl name="fgAcc0">
+    <dgm:scene3d>
+      <a:camera prst="orthographicFront"/>
+      <a:lightRig rig="threePt" dir="t"/>
+    </dgm:scene3d>
+    <dgm:sp3d/>
+    <dgm:txPr/>
+    <dgm:style>
+      <a:lnRef idx="1">
+        <a:scrgbClr r="0" g="0" b="0"/>
+      </a:lnRef>
+      <a:fillRef idx="1">
+        <a:scrgbClr r="0" g="0" b="0"/>
+      </a:fillRef>
+      <a:effectRef idx="2">
+        <a:scrgbClr r="0" g="0" b="0"/>
+      </a:effectRef>
+      <a:fontRef idx="minor"/>
+    </dgm:style>
+  </dgm:styleLbl>
+  <dgm:styleLbl name="fgAcc2">
+    <dgm:scene3d>
+      <a:camera prst="orthographicFront"/>
+      <a:lightRig rig="threePt" dir="t"/>
+    </dgm:scene3d>
+    <dgm:sp3d/>
+    <dgm:txPr/>
+    <dgm:style>
+      <a:lnRef idx="1">
+        <a:scrgbClr r="0" g="0" b="0"/>
+      </a:lnRef>
+      <a:fillRef idx="1">
+        <a:scrgbClr r="0" g="0" b="0"/>
+      </a:fillRef>
+      <a:effectRef idx="2">
+        <a:scrgbClr r="0" g="0" b="0"/>
+      </a:effectRef>
+      <a:fontRef idx="minor"/>
+    </dgm:style>
+  </dgm:styleLbl>
+  <dgm:styleLbl name="fgAcc3">
+    <dgm:scene3d>
+      <a:camera prst="orthographicFront"/>
+      <a:lightRig rig="threePt" dir="t"/>
+    </dgm:scene3d>
+    <dgm:sp3d/>
+    <dgm:txPr/>
+    <dgm:style>
+      <a:lnRef idx="1">
+        <a:scrgbClr r="0" g="0" b="0"/>
+      </a:lnRef>
+      <a:fillRef idx="1">
+        <a:scrgbClr r="0" g="0" b="0"/>
+      </a:fillRef>
+      <a:effectRef idx="2">
+        <a:scrgbClr r="0" g="0" b="0"/>
+      </a:effectRef>
+      <a:fontRef idx="minor"/>
+    </dgm:style>
+  </dgm:styleLbl>
+  <dgm:styleLbl name="fgAcc4">
+    <dgm:scene3d>
+      <a:camera prst="orthographicFront"/>
+      <a:lightRig rig="threePt" dir="t"/>
+    </dgm:scene3d>
+    <dgm:sp3d/>
+    <dgm:txPr/>
+    <dgm:style>
+      <a:lnRef idx="1">
+        <a:scrgbClr r="0" g="0" b="0"/>
+      </a:lnRef>
+      <a:fillRef idx="1">
+        <a:scrgbClr r="0" g="0" b="0"/>
+      </a:fillRef>
+      <a:effectRef idx="2">
+        <a:scrgbClr r="0" g="0" b="0"/>
+      </a:effectRef>
+      <a:fontRef idx="minor"/>
+    </dgm:style>
+  </dgm:styleLbl>
+  <dgm:styleLbl name="bgShp">
+    <dgm:scene3d>
+      <a:camera prst="orthographicFront"/>
+      <a:lightRig rig="threePt" dir="t"/>
+    </dgm:scene3d>
+    <dgm:sp3d/>
+    <dgm:txPr/>
+    <dgm:style>
+      <a:lnRef idx="0">
+        <a:scrgbClr r="0" g="0" b="0"/>
+      </a:lnRef>
+      <a:fillRef idx="1">
+        <a:scrgbClr r="0" g="0" b="0"/>
+      </a:fillRef>
+      <a:effectRef idx="2">
+        <a:scrgbClr r="0" g="0" b="0"/>
+      </a:effectRef>
+      <a:fontRef idx="minor"/>
+    </dgm:style>
+  </dgm:styleLbl>
+  <dgm:styleLbl name="dkBgShp">
+    <dgm:scene3d>
+      <a:camera prst="orthographicFront"/>
+      <a:lightRig rig="threePt" dir="t"/>
+    </dgm:scene3d>
+    <dgm:sp3d/>
+    <dgm:txPr/>
+    <dgm:style>
+      <a:lnRef idx="0">
+        <a:scrgbClr r="0" g="0" b="0"/>
+      </a:lnRef>
+      <a:fillRef idx="1">
+        <a:scrgbClr r="0" g="0" b="0"/>
+      </a:fillRef>
+      <a:effectRef idx="3">
+        <a:scrgbClr r="0" g="0" b="0"/>
+      </a:effectRef>
+      <a:fontRef idx="minor"/>
+    </dgm:style>
+  </dgm:styleLbl>
+  <dgm:styleLbl name="trBgShp">
+    <dgm:scene3d>
+      <a:camera prst="orthographicFront"/>
+      <a:lightRig rig="threePt" dir="t"/>
+    </dgm:scene3d>
+    <dgm:sp3d/>
+    <dgm:txPr/>
+    <dgm:style>
+      <a:lnRef idx="0">
+        <a:scrgbClr r="0" g="0" b="0"/>
+      </a:lnRef>
+      <a:fillRef idx="1">
+        <a:scrgbClr r="0" g="0" b="0"/>
+      </a:fillRef>
+      <a:effectRef idx="0">
+        <a:scrgbClr r="0" g="0" b="0"/>
+      </a:effectRef>
+      <a:fontRef idx="minor"/>
+    </dgm:style>
+  </dgm:styleLbl>
+  <dgm:styleLbl name="fgShp">
+    <dgm:scene3d>
+      <a:camera prst="orthographicFront"/>
+      <a:lightRig rig="threePt" dir="t"/>
+    </dgm:scene3d>
+    <dgm:sp3d/>
+    <dgm:txPr/>
+    <dgm:style>
+      <a:lnRef idx="0">
+        <a:scrgbClr r="0" g="0" b="0"/>
+      </a:lnRef>
+      <a:fillRef idx="3">
+        <a:scrgbClr r="0" g="0" b="0"/>
+      </a:fillRef>
+      <a:effectRef idx="3">
+        <a:scrgbClr r="0" g="0" b="0"/>
+      </a:effectRef>
+      <a:fontRef idx="minor"/>
+    </dgm:style>
+  </dgm:styleLbl>
+  <dgm:styleLbl name="revTx">
+    <dgm:scene3d>
+      <a:camera prst="orthographicFront"/>
+      <a:lightRig rig="threePt" dir="t"/>
+    </dgm:scene3d>
+    <dgm:sp3d/>
+    <dgm:txPr/>
+    <dgm:style>
+      <a:lnRef idx="0">
+        <a:scrgbClr r="0" g="0" b="0"/>
+      </a:lnRef>
+      <a:fillRef idx="0">
+        <a:scrgbClr r="0" g="0" b="0"/>
+      </a:fillRef>
+      <a:effectRef idx="0">
+        <a:scrgbClr r="0" g="0" b="0"/>
+      </a:effectRef>
+      <a:fontRef idx="minor"/>
+    </dgm:style>
+  </dgm:styleLbl>
+</dgm:styleDef>
 </file>
 
 <file path=ppt/slideLayouts/slideLayout1.xml><?xml version="1.0" encoding="utf-8"?>
@@ -6930,13 +9902,13 @@
   <p:clrMapOvr>
     <a:masterClrMapping/>
   </p:clrMapOvr>
-  <mc:AlternateContent xmlns:mc="http://schemas.openxmlformats.org/markup-compatibility/2006">
-    <mc:Choice xmlns:p159="http://schemas.microsoft.com/office/powerpoint/2015/09/main" Requires="p159">
+  <mc:AlternateContent xmlns:mc="http://schemas.openxmlformats.org/markup-compatibility/2006" xmlns:p159="http://schemas.microsoft.com/office/powerpoint/2015/09/main">
+    <mc:Choice Requires="p159">
       <p:transition xmlns:p14="http://schemas.microsoft.com/office/powerpoint/2010/main" spd="slow" p14:dur="2000">
         <p159:morph option="byObject"/>
       </p:transition>
     </mc:Choice>
-    <mc:Fallback>
+    <mc:Fallback xmlns="">
       <p:transition spd="slow">
         <p:fade/>
       </p:transition>
@@ -6946,6 +9918,83 @@
 </file>
 
 <file path=ppt/slides/slide6.xml><?xml version="1.0" encoding="utf-8"?>
+<p:sld xmlns:a="http://schemas.openxmlformats.org/drawingml/2006/main" xmlns:r="http://schemas.openxmlformats.org/officeDocument/2006/relationships" xmlns:p="http://schemas.openxmlformats.org/presentationml/2006/main">
+  <p:cSld>
+    <p:spTree>
+      <p:nvGrpSpPr>
+        <p:cNvPr id="1" name=""/>
+        <p:cNvGrpSpPr/>
+        <p:nvPr/>
+      </p:nvGrpSpPr>
+      <p:grpSpPr>
+        <a:xfrm>
+          <a:off x="0" y="0"/>
+          <a:ext cx="0" cy="0"/>
+          <a:chOff x="0" y="0"/>
+          <a:chExt cx="0" cy="0"/>
+        </a:xfrm>
+      </p:grpSpPr>
+      <p:sp>
+        <p:nvSpPr>
+          <p:cNvPr id="2" name="Title 1"/>
+          <p:cNvSpPr>
+            <a:spLocks noGrp="1"/>
+          </p:cNvSpPr>
+          <p:nvPr>
+            <p:ph type="title"/>
+          </p:nvPr>
+        </p:nvSpPr>
+        <p:spPr/>
+        <p:txBody>
+          <a:bodyPr/>
+          <a:lstStyle/>
+          <a:p>
+            <a:r>
+              <a:rPr lang="en-US" dirty="0"/>
+              <a:t>Next Steps</a:t>
+            </a:r>
+          </a:p>
+        </p:txBody>
+      </p:sp>
+      <p:graphicFrame>
+        <p:nvGraphicFramePr>
+          <p:cNvPr id="4" name="Content Placeholder 3"/>
+          <p:cNvGraphicFramePr>
+            <a:graphicFrameLocks noGrp="1"/>
+          </p:cNvGraphicFramePr>
+          <p:nvPr>
+            <p:ph idx="1"/>
+            <p:extLst>
+              <p:ext uri="{D42A27DB-BD31-4B8C-83A1-F6EECF244321}">
+                <p14:modId xmlns:p14="http://schemas.microsoft.com/office/powerpoint/2010/main" val="2619704005"/>
+              </p:ext>
+            </p:extLst>
+          </p:nvPr>
+        </p:nvGraphicFramePr>
+        <p:xfrm>
+          <a:off x="1837593" y="2365131"/>
+          <a:ext cx="9873760" cy="3233029"/>
+        </p:xfrm>
+        <a:graphic>
+          <a:graphicData uri="http://schemas.openxmlformats.org/drawingml/2006/diagram">
+            <dgm:relIds xmlns:dgm="http://schemas.openxmlformats.org/drawingml/2006/diagram" xmlns:r="http://schemas.openxmlformats.org/officeDocument/2006/relationships" r:dm="rId2" r:lo="rId3" r:qs="rId4" r:cs="rId5"/>
+          </a:graphicData>
+        </a:graphic>
+      </p:graphicFrame>
+    </p:spTree>
+    <p:extLst>
+      <p:ext uri="{BB962C8B-B14F-4D97-AF65-F5344CB8AC3E}">
+        <p14:creationId xmlns:p14="http://schemas.microsoft.com/office/powerpoint/2010/main" val="1758760224"/>
+      </p:ext>
+    </p:extLst>
+  </p:cSld>
+  <p:clrMapOvr>
+    <a:masterClrMapping/>
+  </p:clrMapOvr>
+</p:sld>
+</file>
+
+<file path=ppt/slides/slide7.xml><?xml version="1.0" encoding="utf-8"?>
 <p:sld xmlns:a="http://schemas.openxmlformats.org/drawingml/2006/main" xmlns:r="http://schemas.openxmlformats.org/officeDocument/2006/relationships" xmlns:p="http://schemas.openxmlformats.org/presentationml/2006/main">
   <p:cSld>
     <p:spTree>
